--- a/Innomatics_Project_Report_Template with EDA_Project_Student_Template (1).pptx
+++ b/Innomatics_Project_Report_Template with EDA_Project_Student_Template (1).pptx
@@ -5,22 +5,25 @@
     <p:sldMasterId id="2147483659" r:id="rId1"/>
   </p:sldMasterIdLst>
   <p:notesMasterIdLst>
-    <p:notesMasterId r:id="rId11"/>
+    <p:notesMasterId r:id="rId7"/>
   </p:notesMasterIdLst>
   <p:sldIdLst>
     <p:sldId id="256" r:id="rId2"/>
     <p:sldId id="257" r:id="rId3"/>
-    <p:sldId id="258" r:id="rId4"/>
-    <p:sldId id="260" r:id="rId5"/>
-    <p:sldId id="261" r:id="rId6"/>
-    <p:sldId id="265" r:id="rId7"/>
-    <p:sldId id="266" r:id="rId8"/>
-    <p:sldId id="262" r:id="rId9"/>
-    <p:sldId id="259" r:id="rId10"/>
+    <p:sldId id="260" r:id="rId4"/>
+    <p:sldId id="261" r:id="rId5"/>
+    <p:sldId id="259" r:id="rId6"/>
   </p:sldIdLst>
   <p:sldSz cx="12192000" cy="6858000"/>
   <p:notesSz cx="6858000" cy="9144000"/>
   <p:embeddedFontLst>
+    <p:embeddedFont>
+      <p:font typeface="Consolas" panose="020B0609020204030204" pitchFamily="49" charset="0"/>
+      <p:regular r:id="rId8"/>
+      <p:bold r:id="rId9"/>
+      <p:italic r:id="rId10"/>
+      <p:boldItalic r:id="rId11"/>
+    </p:embeddedFont>
     <p:embeddedFont>
       <p:font typeface="Lato Black" panose="020F0502020204030203" pitchFamily="34" charset="0"/>
       <p:bold r:id="rId12"/>
@@ -1698,114 +1701,10 @@
   <p:cSld>
     <p:spTree>
       <p:nvGrpSpPr>
-        <p:cNvPr id="1" name="Shape 106"/>
-        <p:cNvGrpSpPr/>
-        <p:nvPr/>
-      </p:nvGrpSpPr>
-      <p:grpSpPr>
-        <a:xfrm>
-          <a:off x="0" y="0"/>
-          <a:ext cx="0" cy="0"/>
-          <a:chOff x="0" y="0"/>
-          <a:chExt cx="0" cy="0"/>
-        </a:xfrm>
-      </p:grpSpPr>
-      <p:sp>
-        <p:nvSpPr>
-          <p:cNvPr id="107" name="Google Shape;107;p4:notes"/>
-          <p:cNvSpPr txBox="1">
-            <a:spLocks noGrp="1"/>
-          </p:cNvSpPr>
-          <p:nvPr>
-            <p:ph type="body" idx="1"/>
-          </p:nvPr>
-        </p:nvSpPr>
-        <p:spPr>
-          <a:xfrm>
-            <a:off x="685800" y="4400550"/>
-            <a:ext cx="5486400" cy="3600450"/>
-          </a:xfrm>
-          <a:prstGeom prst="rect">
-            <a:avLst/>
-          </a:prstGeom>
-        </p:spPr>
-        <p:txBody>
-          <a:bodyPr spcFirstLastPara="1" wrap="square" lIns="91425" tIns="45700" rIns="91425" bIns="45700" anchor="t" anchorCtr="0">
-            <a:noAutofit/>
-          </a:bodyPr>
-          <a:lstStyle/>
-          <a:p>
-            <a:pPr marL="0" lvl="0" indent="0" algn="l" rtl="0">
-              <a:spcBef>
-                <a:spcPts val="0"/>
-              </a:spcBef>
-              <a:spcAft>
-                <a:spcPts val="0"/>
-              </a:spcAft>
-              <a:buNone/>
-            </a:pPr>
-            <a:endParaRPr/>
-          </a:p>
-        </p:txBody>
-      </p:sp>
-      <p:sp>
-        <p:nvSpPr>
-          <p:cNvPr id="108" name="Google Shape;108;p4:notes"/>
-          <p:cNvSpPr>
-            <a:spLocks noGrp="1" noRot="1" noChangeAspect="1"/>
-          </p:cNvSpPr>
-          <p:nvPr>
-            <p:ph type="sldImg" idx="2"/>
-          </p:nvPr>
-        </p:nvSpPr>
-        <p:spPr>
-          <a:xfrm>
-            <a:off x="685800" y="1143000"/>
-            <a:ext cx="5486400" cy="3086100"/>
-          </a:xfrm>
-          <a:custGeom>
-            <a:avLst/>
-            <a:gdLst/>
-            <a:ahLst/>
-            <a:cxnLst/>
-            <a:rect l="l" t="t" r="r" b="b"/>
-            <a:pathLst>
-              <a:path w="120000" h="120000" extrusionOk="0">
-                <a:moveTo>
-                  <a:pt x="0" y="0"/>
-                </a:moveTo>
-                <a:lnTo>
-                  <a:pt x="120000" y="0"/>
-                </a:lnTo>
-                <a:lnTo>
-                  <a:pt x="120000" y="120000"/>
-                </a:lnTo>
-                <a:lnTo>
-                  <a:pt x="0" y="120000"/>
-                </a:lnTo>
-                <a:close/>
-              </a:path>
-            </a:pathLst>
-          </a:custGeom>
-        </p:spPr>
-      </p:sp>
-    </p:spTree>
-  </p:cSld>
-  <p:clrMapOvr>
-    <a:masterClrMapping/>
-  </p:clrMapOvr>
-</p:notes>
-</file>
-
-<file path=ppt/notesSlides/notesSlide4.xml><?xml version="1.0" encoding="utf-8"?>
-<p:notes xmlns:a="http://schemas.openxmlformats.org/drawingml/2006/main" xmlns:r="http://schemas.openxmlformats.org/officeDocument/2006/relationships" xmlns:p="http://schemas.openxmlformats.org/presentationml/2006/main" showMasterSp="0" showMasterPhAnim="0">
-  <p:cSld>
-    <p:spTree>
-      <p:nvGrpSpPr>
-        <p:cNvPr id="1" name="Shape 106">
+        <p:cNvPr id="1" name="Shape 100">
           <a:extLst>
             <a:ext uri="{FF2B5EF4-FFF2-40B4-BE49-F238E27FC236}">
-              <a16:creationId xmlns:a16="http://schemas.microsoft.com/office/drawing/2014/main" id="{8A99BDB5-1391-F27F-A6E4-14D6614E367D}"/>
+              <a16:creationId xmlns:a16="http://schemas.microsoft.com/office/drawing/2014/main" id="{9D4A68D4-AAD0-D4FB-EBB3-9375EB289B00}"/>
             </a:ext>
           </a:extLst>
         </p:cNvPr>
@@ -1822,10 +1721,10 @@
       </p:grpSpPr>
       <p:sp>
         <p:nvSpPr>
-          <p:cNvPr id="107" name="Google Shape;107;p4:notes">
+          <p:cNvPr id="101" name="Google Shape;101;p3:notes">
             <a:extLst>
               <a:ext uri="{FF2B5EF4-FFF2-40B4-BE49-F238E27FC236}">
-                <a16:creationId xmlns:a16="http://schemas.microsoft.com/office/drawing/2014/main" id="{F5DD6F1D-EA20-B27E-1699-C223D781EA13}"/>
+                <a16:creationId xmlns:a16="http://schemas.microsoft.com/office/drawing/2014/main" id="{851EF5C2-002F-5C2C-3434-D453677236D7}"/>
               </a:ext>
             </a:extLst>
           </p:cNvPr>
@@ -1866,10 +1765,10 @@
       </p:sp>
       <p:sp>
         <p:nvSpPr>
-          <p:cNvPr id="108" name="Google Shape;108;p4:notes">
+          <p:cNvPr id="102" name="Google Shape;102;p3:notes">
             <a:extLst>
               <a:ext uri="{FF2B5EF4-FFF2-40B4-BE49-F238E27FC236}">
-                <a16:creationId xmlns:a16="http://schemas.microsoft.com/office/drawing/2014/main" id="{04954BC2-7E23-11C5-568C-D7FDC7AEE252}"/>
+                <a16:creationId xmlns:a16="http://schemas.microsoft.com/office/drawing/2014/main" id="{8A0520C3-0332-5058-2256-B5790F56DD34}"/>
               </a:ext>
             </a:extLst>
           </p:cNvPr>
@@ -1914,7 +1813,7 @@
     </p:spTree>
     <p:extLst>
       <p:ext uri="{BB962C8B-B14F-4D97-AF65-F5344CB8AC3E}">
-        <p14:creationId xmlns:p14="http://schemas.microsoft.com/office/powerpoint/2010/main" val="255641821"/>
+        <p14:creationId xmlns:p14="http://schemas.microsoft.com/office/powerpoint/2010/main" val="75756067"/>
       </p:ext>
     </p:extLst>
   </p:cSld>
@@ -1924,18 +1823,12 @@
 </p:notes>
 </file>
 
-<file path=ppt/notesSlides/notesSlide5.xml><?xml version="1.0" encoding="utf-8"?>
-<p:notes xmlns:a="http://schemas.openxmlformats.org/drawingml/2006/main" xmlns:r="http://schemas.openxmlformats.org/officeDocument/2006/relationships" xmlns:p="http://schemas.openxmlformats.org/presentationml/2006/main" showMasterSp="0" showMasterPhAnim="0">
+<file path=ppt/notesSlides/notesSlide4.xml><?xml version="1.0" encoding="utf-8"?>
+<p:notes xmlns:a="http://schemas.openxmlformats.org/drawingml/2006/main" xmlns:r="http://schemas.openxmlformats.org/officeDocument/2006/relationships" xmlns:p="http://schemas.openxmlformats.org/presentationml/2006/main">
   <p:cSld>
     <p:spTree>
       <p:nvGrpSpPr>
-        <p:cNvPr id="1" name="Shape 106">
-          <a:extLst>
-            <a:ext uri="{FF2B5EF4-FFF2-40B4-BE49-F238E27FC236}">
-              <a16:creationId xmlns:a16="http://schemas.microsoft.com/office/drawing/2014/main" id="{84C749A4-A101-9AF3-6650-FE5848B538E6}"/>
-            </a:ext>
-          </a:extLst>
-        </p:cNvPr>
+        <p:cNvPr id="1" name=""/>
         <p:cNvGrpSpPr/>
         <p:nvPr/>
       </p:nvGrpSpPr>
@@ -1949,99 +1842,87 @@
       </p:grpSpPr>
       <p:sp>
         <p:nvSpPr>
-          <p:cNvPr id="107" name="Google Shape;107;p4:notes">
-            <a:extLst>
-              <a:ext uri="{FF2B5EF4-FFF2-40B4-BE49-F238E27FC236}">
-                <a16:creationId xmlns:a16="http://schemas.microsoft.com/office/drawing/2014/main" id="{7657B6F4-22E0-5EC1-3565-AAA5300359A4}"/>
-              </a:ext>
-            </a:extLst>
-          </p:cNvPr>
-          <p:cNvSpPr txBox="1">
+          <p:cNvPr id="2" name="Slide Image Placeholder 1"/>
+          <p:cNvSpPr>
+            <a:spLocks noGrp="1" noRot="1" noChangeAspect="1"/>
+          </p:cNvSpPr>
+          <p:nvPr>
+            <p:ph type="sldImg"/>
+          </p:nvPr>
+        </p:nvSpPr>
+        <p:spPr/>
+      </p:sp>
+      <p:sp>
+        <p:nvSpPr>
+          <p:cNvPr id="3" name="Notes Placeholder 2"/>
+          <p:cNvSpPr>
             <a:spLocks noGrp="1"/>
           </p:cNvSpPr>
           <p:nvPr>
             <p:ph type="body" idx="1"/>
           </p:nvPr>
         </p:nvSpPr>
-        <p:spPr>
-          <a:xfrm>
-            <a:off x="685800" y="4400550"/>
-            <a:ext cx="5486400" cy="3600450"/>
-          </a:xfrm>
-          <a:prstGeom prst="rect">
-            <a:avLst/>
-          </a:prstGeom>
-        </p:spPr>
+        <p:spPr/>
         <p:txBody>
-          <a:bodyPr spcFirstLastPara="1" wrap="square" lIns="91425" tIns="45700" rIns="91425" bIns="45700" anchor="t" anchorCtr="0">
-            <a:noAutofit/>
-          </a:bodyPr>
+          <a:bodyPr/>
           <a:lstStyle/>
           <a:p>
-            <a:pPr marL="0" lvl="0" indent="0" algn="l" rtl="0">
-              <a:spcBef>
-                <a:spcPts val="0"/>
-              </a:spcBef>
-              <a:spcAft>
-                <a:spcPts val="0"/>
-              </a:spcAft>
-              <a:buNone/>
-            </a:pPr>
-            <a:endParaRPr/>
+            <a:endParaRPr lang="en-IN" dirty="0"/>
           </a:p>
         </p:txBody>
       </p:sp>
       <p:sp>
         <p:nvSpPr>
-          <p:cNvPr id="108" name="Google Shape;108;p4:notes">
-            <a:extLst>
-              <a:ext uri="{FF2B5EF4-FFF2-40B4-BE49-F238E27FC236}">
-                <a16:creationId xmlns:a16="http://schemas.microsoft.com/office/drawing/2014/main" id="{8F3697F6-A344-6F0E-1238-B05A332AF41A}"/>
-              </a:ext>
-            </a:extLst>
-          </p:cNvPr>
+          <p:cNvPr id="4" name="Slide Number Placeholder 3"/>
           <p:cNvSpPr>
-            <a:spLocks noGrp="1" noRot="1" noChangeAspect="1"/>
+            <a:spLocks noGrp="1"/>
           </p:cNvSpPr>
           <p:nvPr>
-            <p:ph type="sldImg" idx="2"/>
+            <p:ph type="sldNum" idx="12"/>
           </p:nvPr>
         </p:nvSpPr>
-        <p:spPr>
-          <a:xfrm>
-            <a:off x="685800" y="1143000"/>
-            <a:ext cx="5486400" cy="3086100"/>
-          </a:xfrm>
-          <a:custGeom>
-            <a:avLst/>
-            <a:gdLst/>
-            <a:ahLst/>
-            <a:cxnLst/>
-            <a:rect l="l" t="t" r="r" b="b"/>
-            <a:pathLst>
-              <a:path w="120000" h="120000" extrusionOk="0">
-                <a:moveTo>
-                  <a:pt x="0" y="0"/>
-                </a:moveTo>
-                <a:lnTo>
-                  <a:pt x="120000" y="0"/>
-                </a:lnTo>
-                <a:lnTo>
-                  <a:pt x="120000" y="120000"/>
-                </a:lnTo>
-                <a:lnTo>
-                  <a:pt x="0" y="120000"/>
-                </a:lnTo>
-                <a:close/>
-              </a:path>
-            </a:pathLst>
-          </a:custGeom>
-        </p:spPr>
+        <p:spPr/>
+        <p:txBody>
+          <a:bodyPr/>
+          <a:lstStyle/>
+          <a:p>
+            <a:pPr marL="0" marR="0" lvl="0" indent="0" algn="r" rtl="0">
+              <a:spcBef>
+                <a:spcPts val="0"/>
+              </a:spcBef>
+              <a:spcAft>
+                <a:spcPts val="0"/>
+              </a:spcAft>
+              <a:buNone/>
+            </a:pPr>
+            <a:fld id="{00000000-1234-1234-1234-123412341234}" type="slidenum">
+              <a:rPr lang="en-IN" sz="1200" b="0" i="0" u="none" strike="noStrike" cap="none" smtClean="0">
+                <a:solidFill>
+                  <a:schemeClr val="dk1"/>
+                </a:solidFill>
+                <a:latin typeface="Calibri"/>
+                <a:ea typeface="Calibri"/>
+                <a:cs typeface="Calibri"/>
+                <a:sym typeface="Calibri"/>
+              </a:rPr>
+              <a:t>4</a:t>
+            </a:fld>
+            <a:endParaRPr lang="en-IN" sz="1200" b="0" i="0" u="none" strike="noStrike" cap="none">
+              <a:solidFill>
+                <a:schemeClr val="dk1"/>
+              </a:solidFill>
+              <a:latin typeface="Calibri"/>
+              <a:ea typeface="Calibri"/>
+              <a:cs typeface="Calibri"/>
+              <a:sym typeface="Calibri"/>
+            </a:endParaRPr>
+          </a:p>
+        </p:txBody>
       </p:sp>
     </p:spTree>
     <p:extLst>
       <p:ext uri="{BB962C8B-B14F-4D97-AF65-F5344CB8AC3E}">
-        <p14:creationId xmlns:p14="http://schemas.microsoft.com/office/powerpoint/2010/main" val="1623359117"/>
+        <p14:creationId xmlns:p14="http://schemas.microsoft.com/office/powerpoint/2010/main" val="2627791897"/>
       </p:ext>
     </p:extLst>
   </p:cSld>
@@ -2051,134 +1932,7 @@
 </p:notes>
 </file>
 
-<file path=ppt/notesSlides/notesSlide6.xml><?xml version="1.0" encoding="utf-8"?>
-<p:notes xmlns:a="http://schemas.openxmlformats.org/drawingml/2006/main" xmlns:r="http://schemas.openxmlformats.org/officeDocument/2006/relationships" xmlns:p="http://schemas.openxmlformats.org/presentationml/2006/main" showMasterSp="0" showMasterPhAnim="0">
-  <p:cSld>
-    <p:spTree>
-      <p:nvGrpSpPr>
-        <p:cNvPr id="1" name="Shape 106">
-          <a:extLst>
-            <a:ext uri="{FF2B5EF4-FFF2-40B4-BE49-F238E27FC236}">
-              <a16:creationId xmlns:a16="http://schemas.microsoft.com/office/drawing/2014/main" id="{0A5F5AE2-B16B-BE20-71CE-DF9347693360}"/>
-            </a:ext>
-          </a:extLst>
-        </p:cNvPr>
-        <p:cNvGrpSpPr/>
-        <p:nvPr/>
-      </p:nvGrpSpPr>
-      <p:grpSpPr>
-        <a:xfrm>
-          <a:off x="0" y="0"/>
-          <a:ext cx="0" cy="0"/>
-          <a:chOff x="0" y="0"/>
-          <a:chExt cx="0" cy="0"/>
-        </a:xfrm>
-      </p:grpSpPr>
-      <p:sp>
-        <p:nvSpPr>
-          <p:cNvPr id="107" name="Google Shape;107;p4:notes">
-            <a:extLst>
-              <a:ext uri="{FF2B5EF4-FFF2-40B4-BE49-F238E27FC236}">
-                <a16:creationId xmlns:a16="http://schemas.microsoft.com/office/drawing/2014/main" id="{833A2F4E-8BE1-4A35-0E60-37D153432E85}"/>
-              </a:ext>
-            </a:extLst>
-          </p:cNvPr>
-          <p:cNvSpPr txBox="1">
-            <a:spLocks noGrp="1"/>
-          </p:cNvSpPr>
-          <p:nvPr>
-            <p:ph type="body" idx="1"/>
-          </p:nvPr>
-        </p:nvSpPr>
-        <p:spPr>
-          <a:xfrm>
-            <a:off x="685800" y="4400550"/>
-            <a:ext cx="5486400" cy="3600450"/>
-          </a:xfrm>
-          <a:prstGeom prst="rect">
-            <a:avLst/>
-          </a:prstGeom>
-        </p:spPr>
-        <p:txBody>
-          <a:bodyPr spcFirstLastPara="1" wrap="square" lIns="91425" tIns="45700" rIns="91425" bIns="45700" anchor="t" anchorCtr="0">
-            <a:noAutofit/>
-          </a:bodyPr>
-          <a:lstStyle/>
-          <a:p>
-            <a:pPr marL="0" lvl="0" indent="0" algn="l" rtl="0">
-              <a:spcBef>
-                <a:spcPts val="0"/>
-              </a:spcBef>
-              <a:spcAft>
-                <a:spcPts val="0"/>
-              </a:spcAft>
-              <a:buNone/>
-            </a:pPr>
-            <a:endParaRPr/>
-          </a:p>
-        </p:txBody>
-      </p:sp>
-      <p:sp>
-        <p:nvSpPr>
-          <p:cNvPr id="108" name="Google Shape;108;p4:notes">
-            <a:extLst>
-              <a:ext uri="{FF2B5EF4-FFF2-40B4-BE49-F238E27FC236}">
-                <a16:creationId xmlns:a16="http://schemas.microsoft.com/office/drawing/2014/main" id="{7FB66BED-57C0-01F6-A079-9D7BA3AE70A7}"/>
-              </a:ext>
-            </a:extLst>
-          </p:cNvPr>
-          <p:cNvSpPr>
-            <a:spLocks noGrp="1" noRot="1" noChangeAspect="1"/>
-          </p:cNvSpPr>
-          <p:nvPr>
-            <p:ph type="sldImg" idx="2"/>
-          </p:nvPr>
-        </p:nvSpPr>
-        <p:spPr>
-          <a:xfrm>
-            <a:off x="685800" y="1143000"/>
-            <a:ext cx="5486400" cy="3086100"/>
-          </a:xfrm>
-          <a:custGeom>
-            <a:avLst/>
-            <a:gdLst/>
-            <a:ahLst/>
-            <a:cxnLst/>
-            <a:rect l="l" t="t" r="r" b="b"/>
-            <a:pathLst>
-              <a:path w="120000" h="120000" extrusionOk="0">
-                <a:moveTo>
-                  <a:pt x="0" y="0"/>
-                </a:moveTo>
-                <a:lnTo>
-                  <a:pt x="120000" y="0"/>
-                </a:lnTo>
-                <a:lnTo>
-                  <a:pt x="120000" y="120000"/>
-                </a:lnTo>
-                <a:lnTo>
-                  <a:pt x="0" y="120000"/>
-                </a:lnTo>
-                <a:close/>
-              </a:path>
-            </a:pathLst>
-          </a:custGeom>
-        </p:spPr>
-      </p:sp>
-    </p:spTree>
-    <p:extLst>
-      <p:ext uri="{BB962C8B-B14F-4D97-AF65-F5344CB8AC3E}">
-        <p14:creationId xmlns:p14="http://schemas.microsoft.com/office/powerpoint/2010/main" val="2595321565"/>
-      </p:ext>
-    </p:extLst>
-  </p:cSld>
-  <p:clrMapOvr>
-    <a:masterClrMapping/>
-  </p:clrMapOvr>
-</p:notes>
-</file>
-
-<file path=ppt/notesSlides/notesSlide7.xml><?xml version="1.0" encoding="utf-8"?>
+<file path=ppt/notesSlides/notesSlide5.xml><?xml version="1.0" encoding="utf-8"?>
 <p:notes xmlns:a="http://schemas.openxmlformats.org/drawingml/2006/main" xmlns:r="http://schemas.openxmlformats.org/officeDocument/2006/relationships" xmlns:p="http://schemas.openxmlformats.org/presentationml/2006/main" showMasterSp="0" showMasterPhAnim="0">
   <p:cSld>
     <p:spTree>
@@ -2869,760 +2623,6 @@
 </file>
 
 <file path=ppt/slideLayouts/slideLayout10.xml><?xml version="1.0" encoding="utf-8"?>
-<p:sldLayout xmlns:a="http://schemas.openxmlformats.org/drawingml/2006/main" xmlns:r="http://schemas.openxmlformats.org/officeDocument/2006/relationships" xmlns:p="http://schemas.openxmlformats.org/presentationml/2006/main" matchingName="Title and Vertical Text" type="vertTx">
-  <p:cSld name="VERTICAL_TEXT">
-    <p:spTree>
-      <p:nvGrpSpPr>
-        <p:cNvPr id="1" name="Shape 81"/>
-        <p:cNvGrpSpPr/>
-        <p:nvPr/>
-      </p:nvGrpSpPr>
-      <p:grpSpPr>
-        <a:xfrm>
-          <a:off x="0" y="0"/>
-          <a:ext cx="0" cy="0"/>
-          <a:chOff x="0" y="0"/>
-          <a:chExt cx="0" cy="0"/>
-        </a:xfrm>
-      </p:grpSpPr>
-      <p:sp>
-        <p:nvSpPr>
-          <p:cNvPr id="82" name="Google Shape;82;p11"/>
-          <p:cNvSpPr txBox="1">
-            <a:spLocks noGrp="1"/>
-          </p:cNvSpPr>
-          <p:nvPr>
-            <p:ph type="title"/>
-          </p:nvPr>
-        </p:nvSpPr>
-        <p:spPr>
-          <a:xfrm>
-            <a:off x="838200" y="365125"/>
-            <a:ext cx="10515600" cy="1325563"/>
-          </a:xfrm>
-          <a:prstGeom prst="rect">
-            <a:avLst/>
-          </a:prstGeom>
-          <a:noFill/>
-          <a:ln>
-            <a:noFill/>
-          </a:ln>
-        </p:spPr>
-        <p:txBody>
-          <a:bodyPr spcFirstLastPara="1" wrap="square" lIns="91425" tIns="45700" rIns="91425" bIns="45700" anchor="ctr" anchorCtr="0">
-            <a:normAutofit/>
-          </a:bodyPr>
-          <a:lstStyle>
-            <a:lvl1pPr lvl="0" algn="l">
-              <a:lnSpc>
-                <a:spcPct val="90000"/>
-              </a:lnSpc>
-              <a:spcBef>
-                <a:spcPts val="0"/>
-              </a:spcBef>
-              <a:spcAft>
-                <a:spcPts val="0"/>
-              </a:spcAft>
-              <a:buClr>
-                <a:schemeClr val="dk1"/>
-              </a:buClr>
-              <a:buSzPts val="1800"/>
-              <a:buNone/>
-              <a:defRPr/>
-            </a:lvl1pPr>
-            <a:lvl2pPr lvl="1">
-              <a:spcBef>
-                <a:spcPts val="0"/>
-              </a:spcBef>
-              <a:spcAft>
-                <a:spcPts val="0"/>
-              </a:spcAft>
-              <a:buSzPts val="1400"/>
-              <a:buNone/>
-              <a:defRPr/>
-            </a:lvl2pPr>
-            <a:lvl3pPr lvl="2">
-              <a:spcBef>
-                <a:spcPts val="0"/>
-              </a:spcBef>
-              <a:spcAft>
-                <a:spcPts val="0"/>
-              </a:spcAft>
-              <a:buSzPts val="1400"/>
-              <a:buNone/>
-              <a:defRPr/>
-            </a:lvl3pPr>
-            <a:lvl4pPr lvl="3">
-              <a:spcBef>
-                <a:spcPts val="0"/>
-              </a:spcBef>
-              <a:spcAft>
-                <a:spcPts val="0"/>
-              </a:spcAft>
-              <a:buSzPts val="1400"/>
-              <a:buNone/>
-              <a:defRPr/>
-            </a:lvl4pPr>
-            <a:lvl5pPr lvl="4">
-              <a:spcBef>
-                <a:spcPts val="0"/>
-              </a:spcBef>
-              <a:spcAft>
-                <a:spcPts val="0"/>
-              </a:spcAft>
-              <a:buSzPts val="1400"/>
-              <a:buNone/>
-              <a:defRPr/>
-            </a:lvl5pPr>
-            <a:lvl6pPr lvl="5">
-              <a:spcBef>
-                <a:spcPts val="0"/>
-              </a:spcBef>
-              <a:spcAft>
-                <a:spcPts val="0"/>
-              </a:spcAft>
-              <a:buSzPts val="1400"/>
-              <a:buNone/>
-              <a:defRPr/>
-            </a:lvl6pPr>
-            <a:lvl7pPr lvl="6">
-              <a:spcBef>
-                <a:spcPts val="0"/>
-              </a:spcBef>
-              <a:spcAft>
-                <a:spcPts val="0"/>
-              </a:spcAft>
-              <a:buSzPts val="1400"/>
-              <a:buNone/>
-              <a:defRPr/>
-            </a:lvl7pPr>
-            <a:lvl8pPr lvl="7">
-              <a:spcBef>
-                <a:spcPts val="0"/>
-              </a:spcBef>
-              <a:spcAft>
-                <a:spcPts val="0"/>
-              </a:spcAft>
-              <a:buSzPts val="1400"/>
-              <a:buNone/>
-              <a:defRPr/>
-            </a:lvl8pPr>
-            <a:lvl9pPr lvl="8">
-              <a:spcBef>
-                <a:spcPts val="0"/>
-              </a:spcBef>
-              <a:spcAft>
-                <a:spcPts val="0"/>
-              </a:spcAft>
-              <a:buSzPts val="1400"/>
-              <a:buNone/>
-              <a:defRPr/>
-            </a:lvl9pPr>
-          </a:lstStyle>
-          <a:p>
-            <a:endParaRPr/>
-          </a:p>
-        </p:txBody>
-      </p:sp>
-      <p:sp>
-        <p:nvSpPr>
-          <p:cNvPr id="83" name="Google Shape;83;p11"/>
-          <p:cNvSpPr txBox="1">
-            <a:spLocks noGrp="1"/>
-          </p:cNvSpPr>
-          <p:nvPr>
-            <p:ph type="body" idx="1"/>
-          </p:nvPr>
-        </p:nvSpPr>
-        <p:spPr>
-          <a:xfrm rot="5400000">
-            <a:off x="3920331" y="-1256506"/>
-            <a:ext cx="4351338" cy="10515600"/>
-          </a:xfrm>
-          <a:prstGeom prst="rect">
-            <a:avLst/>
-          </a:prstGeom>
-          <a:noFill/>
-          <a:ln>
-            <a:noFill/>
-          </a:ln>
-        </p:spPr>
-        <p:txBody>
-          <a:bodyPr spcFirstLastPara="1" wrap="square" lIns="91425" tIns="45700" rIns="91425" bIns="45700" anchor="t" anchorCtr="0">
-            <a:normAutofit/>
-          </a:bodyPr>
-          <a:lstStyle>
-            <a:lvl1pPr marL="457200" lvl="0" indent="-342900" algn="l">
-              <a:lnSpc>
-                <a:spcPct val="90000"/>
-              </a:lnSpc>
-              <a:spcBef>
-                <a:spcPts val="1000"/>
-              </a:spcBef>
-              <a:spcAft>
-                <a:spcPts val="0"/>
-              </a:spcAft>
-              <a:buClr>
-                <a:schemeClr val="dk1"/>
-              </a:buClr>
-              <a:buSzPts val="1800"/>
-              <a:buChar char="•"/>
-              <a:defRPr/>
-            </a:lvl1pPr>
-            <a:lvl2pPr marL="914400" lvl="1" indent="-342900" algn="l">
-              <a:lnSpc>
-                <a:spcPct val="90000"/>
-              </a:lnSpc>
-              <a:spcBef>
-                <a:spcPts val="500"/>
-              </a:spcBef>
-              <a:spcAft>
-                <a:spcPts val="0"/>
-              </a:spcAft>
-              <a:buClr>
-                <a:schemeClr val="dk1"/>
-              </a:buClr>
-              <a:buSzPts val="1800"/>
-              <a:buChar char="•"/>
-              <a:defRPr/>
-            </a:lvl2pPr>
-            <a:lvl3pPr marL="1371600" lvl="2" indent="-342900" algn="l">
-              <a:lnSpc>
-                <a:spcPct val="90000"/>
-              </a:lnSpc>
-              <a:spcBef>
-                <a:spcPts val="500"/>
-              </a:spcBef>
-              <a:spcAft>
-                <a:spcPts val="0"/>
-              </a:spcAft>
-              <a:buClr>
-                <a:schemeClr val="dk1"/>
-              </a:buClr>
-              <a:buSzPts val="1800"/>
-              <a:buChar char="•"/>
-              <a:defRPr/>
-            </a:lvl3pPr>
-            <a:lvl4pPr marL="1828800" lvl="3" indent="-342900" algn="l">
-              <a:lnSpc>
-                <a:spcPct val="90000"/>
-              </a:lnSpc>
-              <a:spcBef>
-                <a:spcPts val="500"/>
-              </a:spcBef>
-              <a:spcAft>
-                <a:spcPts val="0"/>
-              </a:spcAft>
-              <a:buClr>
-                <a:schemeClr val="dk1"/>
-              </a:buClr>
-              <a:buSzPts val="1800"/>
-              <a:buChar char="•"/>
-              <a:defRPr/>
-            </a:lvl4pPr>
-            <a:lvl5pPr marL="2286000" lvl="4" indent="-342900" algn="l">
-              <a:lnSpc>
-                <a:spcPct val="90000"/>
-              </a:lnSpc>
-              <a:spcBef>
-                <a:spcPts val="500"/>
-              </a:spcBef>
-              <a:spcAft>
-                <a:spcPts val="0"/>
-              </a:spcAft>
-              <a:buClr>
-                <a:schemeClr val="dk1"/>
-              </a:buClr>
-              <a:buSzPts val="1800"/>
-              <a:buChar char="•"/>
-              <a:defRPr/>
-            </a:lvl5pPr>
-            <a:lvl6pPr marL="2743200" lvl="5" indent="-342900" algn="l">
-              <a:lnSpc>
-                <a:spcPct val="90000"/>
-              </a:lnSpc>
-              <a:spcBef>
-                <a:spcPts val="500"/>
-              </a:spcBef>
-              <a:spcAft>
-                <a:spcPts val="0"/>
-              </a:spcAft>
-              <a:buClr>
-                <a:schemeClr val="dk1"/>
-              </a:buClr>
-              <a:buSzPts val="1800"/>
-              <a:buChar char="•"/>
-              <a:defRPr/>
-            </a:lvl6pPr>
-            <a:lvl7pPr marL="3200400" lvl="6" indent="-342900" algn="l">
-              <a:lnSpc>
-                <a:spcPct val="90000"/>
-              </a:lnSpc>
-              <a:spcBef>
-                <a:spcPts val="500"/>
-              </a:spcBef>
-              <a:spcAft>
-                <a:spcPts val="0"/>
-              </a:spcAft>
-              <a:buClr>
-                <a:schemeClr val="dk1"/>
-              </a:buClr>
-              <a:buSzPts val="1800"/>
-              <a:buChar char="•"/>
-              <a:defRPr/>
-            </a:lvl7pPr>
-            <a:lvl8pPr marL="3657600" lvl="7" indent="-342900" algn="l">
-              <a:lnSpc>
-                <a:spcPct val="90000"/>
-              </a:lnSpc>
-              <a:spcBef>
-                <a:spcPts val="500"/>
-              </a:spcBef>
-              <a:spcAft>
-                <a:spcPts val="0"/>
-              </a:spcAft>
-              <a:buClr>
-                <a:schemeClr val="dk1"/>
-              </a:buClr>
-              <a:buSzPts val="1800"/>
-              <a:buChar char="•"/>
-              <a:defRPr/>
-            </a:lvl8pPr>
-            <a:lvl9pPr marL="4114800" lvl="8" indent="-342900" algn="l">
-              <a:lnSpc>
-                <a:spcPct val="90000"/>
-              </a:lnSpc>
-              <a:spcBef>
-                <a:spcPts val="500"/>
-              </a:spcBef>
-              <a:spcAft>
-                <a:spcPts val="0"/>
-              </a:spcAft>
-              <a:buClr>
-                <a:schemeClr val="dk1"/>
-              </a:buClr>
-              <a:buSzPts val="1800"/>
-              <a:buChar char="•"/>
-              <a:defRPr/>
-            </a:lvl9pPr>
-          </a:lstStyle>
-          <a:p>
-            <a:endParaRPr/>
-          </a:p>
-        </p:txBody>
-      </p:sp>
-      <p:sp>
-        <p:nvSpPr>
-          <p:cNvPr id="84" name="Google Shape;84;p11"/>
-          <p:cNvSpPr txBox="1">
-            <a:spLocks noGrp="1"/>
-          </p:cNvSpPr>
-          <p:nvPr>
-            <p:ph type="dt" idx="10"/>
-          </p:nvPr>
-        </p:nvSpPr>
-        <p:spPr>
-          <a:xfrm>
-            <a:off x="838200" y="6356350"/>
-            <a:ext cx="2743200" cy="365125"/>
-          </a:xfrm>
-          <a:prstGeom prst="rect">
-            <a:avLst/>
-          </a:prstGeom>
-          <a:noFill/>
-          <a:ln>
-            <a:noFill/>
-          </a:ln>
-        </p:spPr>
-        <p:txBody>
-          <a:bodyPr spcFirstLastPara="1" wrap="square" lIns="91425" tIns="45700" rIns="91425" bIns="45700" anchor="ctr" anchorCtr="0">
-            <a:noAutofit/>
-          </a:bodyPr>
-          <a:lstStyle>
-            <a:lvl1pPr lvl="0" algn="l">
-              <a:spcBef>
-                <a:spcPts val="0"/>
-              </a:spcBef>
-              <a:spcAft>
-                <a:spcPts val="0"/>
-              </a:spcAft>
-              <a:buSzPts val="1400"/>
-              <a:buNone/>
-              <a:defRPr/>
-            </a:lvl1pPr>
-            <a:lvl2pPr lvl="1" algn="l">
-              <a:spcBef>
-                <a:spcPts val="0"/>
-              </a:spcBef>
-              <a:spcAft>
-                <a:spcPts val="0"/>
-              </a:spcAft>
-              <a:buSzPts val="1400"/>
-              <a:buNone/>
-              <a:defRPr/>
-            </a:lvl2pPr>
-            <a:lvl3pPr lvl="2" algn="l">
-              <a:spcBef>
-                <a:spcPts val="0"/>
-              </a:spcBef>
-              <a:spcAft>
-                <a:spcPts val="0"/>
-              </a:spcAft>
-              <a:buSzPts val="1400"/>
-              <a:buNone/>
-              <a:defRPr/>
-            </a:lvl3pPr>
-            <a:lvl4pPr lvl="3" algn="l">
-              <a:spcBef>
-                <a:spcPts val="0"/>
-              </a:spcBef>
-              <a:spcAft>
-                <a:spcPts val="0"/>
-              </a:spcAft>
-              <a:buSzPts val="1400"/>
-              <a:buNone/>
-              <a:defRPr/>
-            </a:lvl4pPr>
-            <a:lvl5pPr lvl="4" algn="l">
-              <a:spcBef>
-                <a:spcPts val="0"/>
-              </a:spcBef>
-              <a:spcAft>
-                <a:spcPts val="0"/>
-              </a:spcAft>
-              <a:buSzPts val="1400"/>
-              <a:buNone/>
-              <a:defRPr/>
-            </a:lvl5pPr>
-            <a:lvl6pPr lvl="5" algn="l">
-              <a:spcBef>
-                <a:spcPts val="0"/>
-              </a:spcBef>
-              <a:spcAft>
-                <a:spcPts val="0"/>
-              </a:spcAft>
-              <a:buSzPts val="1400"/>
-              <a:buNone/>
-              <a:defRPr/>
-            </a:lvl6pPr>
-            <a:lvl7pPr lvl="6" algn="l">
-              <a:spcBef>
-                <a:spcPts val="0"/>
-              </a:spcBef>
-              <a:spcAft>
-                <a:spcPts val="0"/>
-              </a:spcAft>
-              <a:buSzPts val="1400"/>
-              <a:buNone/>
-              <a:defRPr/>
-            </a:lvl7pPr>
-            <a:lvl8pPr lvl="7" algn="l">
-              <a:spcBef>
-                <a:spcPts val="0"/>
-              </a:spcBef>
-              <a:spcAft>
-                <a:spcPts val="0"/>
-              </a:spcAft>
-              <a:buSzPts val="1400"/>
-              <a:buNone/>
-              <a:defRPr/>
-            </a:lvl8pPr>
-            <a:lvl9pPr lvl="8" algn="l">
-              <a:spcBef>
-                <a:spcPts val="0"/>
-              </a:spcBef>
-              <a:spcAft>
-                <a:spcPts val="0"/>
-              </a:spcAft>
-              <a:buSzPts val="1400"/>
-              <a:buNone/>
-              <a:defRPr/>
-            </a:lvl9pPr>
-          </a:lstStyle>
-          <a:p>
-            <a:endParaRPr/>
-          </a:p>
-        </p:txBody>
-      </p:sp>
-      <p:sp>
-        <p:nvSpPr>
-          <p:cNvPr id="85" name="Google Shape;85;p11"/>
-          <p:cNvSpPr txBox="1">
-            <a:spLocks noGrp="1"/>
-          </p:cNvSpPr>
-          <p:nvPr>
-            <p:ph type="ftr" idx="11"/>
-          </p:nvPr>
-        </p:nvSpPr>
-        <p:spPr>
-          <a:xfrm>
-            <a:off x="4038600" y="6356350"/>
-            <a:ext cx="4114800" cy="365125"/>
-          </a:xfrm>
-          <a:prstGeom prst="rect">
-            <a:avLst/>
-          </a:prstGeom>
-          <a:noFill/>
-          <a:ln>
-            <a:noFill/>
-          </a:ln>
-        </p:spPr>
-        <p:txBody>
-          <a:bodyPr spcFirstLastPara="1" wrap="square" lIns="91425" tIns="45700" rIns="91425" bIns="45700" anchor="ctr" anchorCtr="0">
-            <a:noAutofit/>
-          </a:bodyPr>
-          <a:lstStyle>
-            <a:lvl1pPr lvl="0" algn="ctr">
-              <a:spcBef>
-                <a:spcPts val="0"/>
-              </a:spcBef>
-              <a:spcAft>
-                <a:spcPts val="0"/>
-              </a:spcAft>
-              <a:buSzPts val="1400"/>
-              <a:buNone/>
-              <a:defRPr/>
-            </a:lvl1pPr>
-            <a:lvl2pPr lvl="1" algn="l">
-              <a:spcBef>
-                <a:spcPts val="0"/>
-              </a:spcBef>
-              <a:spcAft>
-                <a:spcPts val="0"/>
-              </a:spcAft>
-              <a:buSzPts val="1400"/>
-              <a:buNone/>
-              <a:defRPr/>
-            </a:lvl2pPr>
-            <a:lvl3pPr lvl="2" algn="l">
-              <a:spcBef>
-                <a:spcPts val="0"/>
-              </a:spcBef>
-              <a:spcAft>
-                <a:spcPts val="0"/>
-              </a:spcAft>
-              <a:buSzPts val="1400"/>
-              <a:buNone/>
-              <a:defRPr/>
-            </a:lvl3pPr>
-            <a:lvl4pPr lvl="3" algn="l">
-              <a:spcBef>
-                <a:spcPts val="0"/>
-              </a:spcBef>
-              <a:spcAft>
-                <a:spcPts val="0"/>
-              </a:spcAft>
-              <a:buSzPts val="1400"/>
-              <a:buNone/>
-              <a:defRPr/>
-            </a:lvl4pPr>
-            <a:lvl5pPr lvl="4" algn="l">
-              <a:spcBef>
-                <a:spcPts val="0"/>
-              </a:spcBef>
-              <a:spcAft>
-                <a:spcPts val="0"/>
-              </a:spcAft>
-              <a:buSzPts val="1400"/>
-              <a:buNone/>
-              <a:defRPr/>
-            </a:lvl5pPr>
-            <a:lvl6pPr lvl="5" algn="l">
-              <a:spcBef>
-                <a:spcPts val="0"/>
-              </a:spcBef>
-              <a:spcAft>
-                <a:spcPts val="0"/>
-              </a:spcAft>
-              <a:buSzPts val="1400"/>
-              <a:buNone/>
-              <a:defRPr/>
-            </a:lvl6pPr>
-            <a:lvl7pPr lvl="6" algn="l">
-              <a:spcBef>
-                <a:spcPts val="0"/>
-              </a:spcBef>
-              <a:spcAft>
-                <a:spcPts val="0"/>
-              </a:spcAft>
-              <a:buSzPts val="1400"/>
-              <a:buNone/>
-              <a:defRPr/>
-            </a:lvl7pPr>
-            <a:lvl8pPr lvl="7" algn="l">
-              <a:spcBef>
-                <a:spcPts val="0"/>
-              </a:spcBef>
-              <a:spcAft>
-                <a:spcPts val="0"/>
-              </a:spcAft>
-              <a:buSzPts val="1400"/>
-              <a:buNone/>
-              <a:defRPr/>
-            </a:lvl8pPr>
-            <a:lvl9pPr lvl="8" algn="l">
-              <a:spcBef>
-                <a:spcPts val="0"/>
-              </a:spcBef>
-              <a:spcAft>
-                <a:spcPts val="0"/>
-              </a:spcAft>
-              <a:buSzPts val="1400"/>
-              <a:buNone/>
-              <a:defRPr/>
-            </a:lvl9pPr>
-          </a:lstStyle>
-          <a:p>
-            <a:endParaRPr/>
-          </a:p>
-        </p:txBody>
-      </p:sp>
-      <p:sp>
-        <p:nvSpPr>
-          <p:cNvPr id="86" name="Google Shape;86;p11"/>
-          <p:cNvSpPr txBox="1">
-            <a:spLocks noGrp="1"/>
-          </p:cNvSpPr>
-          <p:nvPr>
-            <p:ph type="sldNum" idx="12"/>
-          </p:nvPr>
-        </p:nvSpPr>
-        <p:spPr>
-          <a:xfrm>
-            <a:off x="8610600" y="6356350"/>
-            <a:ext cx="2743200" cy="365125"/>
-          </a:xfrm>
-          <a:prstGeom prst="rect">
-            <a:avLst/>
-          </a:prstGeom>
-          <a:noFill/>
-          <a:ln>
-            <a:noFill/>
-          </a:ln>
-        </p:spPr>
-        <p:txBody>
-          <a:bodyPr spcFirstLastPara="1" wrap="square" lIns="91425" tIns="45700" rIns="91425" bIns="45700" anchor="ctr" anchorCtr="0">
-            <a:noAutofit/>
-          </a:bodyPr>
-          <a:lstStyle>
-            <a:lvl1pPr marL="0" lvl="0" indent="0" algn="r">
-              <a:spcBef>
-                <a:spcPts val="0"/>
-              </a:spcBef>
-              <a:buNone/>
-              <a:defRPr/>
-            </a:lvl1pPr>
-            <a:lvl2pPr marL="0" lvl="1" indent="0" algn="r">
-              <a:spcBef>
-                <a:spcPts val="0"/>
-              </a:spcBef>
-              <a:buNone/>
-              <a:defRPr/>
-            </a:lvl2pPr>
-            <a:lvl3pPr marL="0" lvl="2" indent="0" algn="r">
-              <a:spcBef>
-                <a:spcPts val="0"/>
-              </a:spcBef>
-              <a:buNone/>
-              <a:defRPr/>
-            </a:lvl3pPr>
-            <a:lvl4pPr marL="0" lvl="3" indent="0" algn="r">
-              <a:spcBef>
-                <a:spcPts val="0"/>
-              </a:spcBef>
-              <a:buNone/>
-              <a:defRPr/>
-            </a:lvl4pPr>
-            <a:lvl5pPr marL="0" lvl="4" indent="0" algn="r">
-              <a:spcBef>
-                <a:spcPts val="0"/>
-              </a:spcBef>
-              <a:buNone/>
-              <a:defRPr/>
-            </a:lvl5pPr>
-            <a:lvl6pPr marL="0" lvl="5" indent="0" algn="r">
-              <a:spcBef>
-                <a:spcPts val="0"/>
-              </a:spcBef>
-              <a:buNone/>
-              <a:defRPr/>
-            </a:lvl6pPr>
-            <a:lvl7pPr marL="0" lvl="6" indent="0" algn="r">
-              <a:spcBef>
-                <a:spcPts val="0"/>
-              </a:spcBef>
-              <a:buNone/>
-              <a:defRPr/>
-            </a:lvl7pPr>
-            <a:lvl8pPr marL="0" lvl="7" indent="0" algn="r">
-              <a:spcBef>
-                <a:spcPts val="0"/>
-              </a:spcBef>
-              <a:buNone/>
-              <a:defRPr/>
-            </a:lvl8pPr>
-            <a:lvl9pPr marL="0" lvl="8" indent="0" algn="r">
-              <a:spcBef>
-                <a:spcPts val="0"/>
-              </a:spcBef>
-              <a:buNone/>
-              <a:defRPr/>
-            </a:lvl9pPr>
-          </a:lstStyle>
-          <a:p>
-            <a:pPr marL="0" lvl="0" indent="0" algn="r" rtl="0">
-              <a:spcBef>
-                <a:spcPts val="0"/>
-              </a:spcBef>
-              <a:spcAft>
-                <a:spcPts val="0"/>
-              </a:spcAft>
-              <a:buNone/>
-            </a:pPr>
-            <a:fld id="{00000000-1234-1234-1234-123412341234}" type="slidenum">
-              <a:rPr lang="en-IN"/>
-              <a:t>‹#›</a:t>
-            </a:fld>
-            <a:endParaRPr/>
-          </a:p>
-        </p:txBody>
-      </p:sp>
-      <p:pic>
-        <p:nvPicPr>
-          <p:cNvPr id="87" name="Google Shape;87;p11"/>
-          <p:cNvPicPr preferRelativeResize="0"/>
-          <p:nvPr/>
-        </p:nvPicPr>
-        <p:blipFill rotWithShape="1">
-          <a:blip r:embed="rId2">
-            <a:alphaModFix/>
-          </a:blip>
-          <a:srcRect/>
-          <a:stretch/>
-        </p:blipFill>
-        <p:spPr>
-          <a:xfrm>
-            <a:off x="8814232" y="6184984"/>
-            <a:ext cx="3225397" cy="673016"/>
-          </a:xfrm>
-          <a:prstGeom prst="rect">
-            <a:avLst/>
-          </a:prstGeom>
-          <a:noFill/>
-          <a:ln>
-            <a:noFill/>
-          </a:ln>
-        </p:spPr>
-      </p:pic>
-    </p:spTree>
-  </p:cSld>
-  <p:clrMapOvr>
-    <a:masterClrMapping/>
-  </p:clrMapOvr>
-</p:sldLayout>
-</file>
-
-<file path=ppt/slideLayouts/slideLayout11.xml><?xml version="1.0" encoding="utf-8"?>
 <p:sldLayout xmlns:a="http://schemas.openxmlformats.org/drawingml/2006/main" xmlns:r="http://schemas.openxmlformats.org/officeDocument/2006/relationships" xmlns:p="http://schemas.openxmlformats.org/presentationml/2006/main" matchingName="Vertical Title and Text" type="vertTitleAndTx">
   <p:cSld name="VERTICAL_TITLE_AND_VERTICAL_TEXT">
     <p:spTree>
@@ -5533,760 +4533,6 @@
 </file>
 
 <file path=ppt/slideLayouts/slideLayout4.xml><?xml version="1.0" encoding="utf-8"?>
-<p:sldLayout xmlns:a="http://schemas.openxmlformats.org/drawingml/2006/main" xmlns:r="http://schemas.openxmlformats.org/officeDocument/2006/relationships" xmlns:p="http://schemas.openxmlformats.org/presentationml/2006/main" matchingName="Title and Content" type="obj">
-  <p:cSld name="OBJECT">
-    <p:spTree>
-      <p:nvGrpSpPr>
-        <p:cNvPr id="1" name="Shape 33"/>
-        <p:cNvGrpSpPr/>
-        <p:nvPr/>
-      </p:nvGrpSpPr>
-      <p:grpSpPr>
-        <a:xfrm>
-          <a:off x="0" y="0"/>
-          <a:ext cx="0" cy="0"/>
-          <a:chOff x="0" y="0"/>
-          <a:chExt cx="0" cy="0"/>
-        </a:xfrm>
-      </p:grpSpPr>
-      <p:sp>
-        <p:nvSpPr>
-          <p:cNvPr id="34" name="Google Shape;34;p5"/>
-          <p:cNvSpPr txBox="1">
-            <a:spLocks noGrp="1"/>
-          </p:cNvSpPr>
-          <p:nvPr>
-            <p:ph type="title"/>
-          </p:nvPr>
-        </p:nvSpPr>
-        <p:spPr>
-          <a:xfrm>
-            <a:off x="838200" y="365125"/>
-            <a:ext cx="10515600" cy="1325563"/>
-          </a:xfrm>
-          <a:prstGeom prst="rect">
-            <a:avLst/>
-          </a:prstGeom>
-          <a:noFill/>
-          <a:ln>
-            <a:noFill/>
-          </a:ln>
-        </p:spPr>
-        <p:txBody>
-          <a:bodyPr spcFirstLastPara="1" wrap="square" lIns="91425" tIns="45700" rIns="91425" bIns="45700" anchor="ctr" anchorCtr="0">
-            <a:normAutofit/>
-          </a:bodyPr>
-          <a:lstStyle>
-            <a:lvl1pPr lvl="0" algn="l">
-              <a:lnSpc>
-                <a:spcPct val="90000"/>
-              </a:lnSpc>
-              <a:spcBef>
-                <a:spcPts val="0"/>
-              </a:spcBef>
-              <a:spcAft>
-                <a:spcPts val="0"/>
-              </a:spcAft>
-              <a:buClr>
-                <a:schemeClr val="dk1"/>
-              </a:buClr>
-              <a:buSzPts val="1800"/>
-              <a:buNone/>
-              <a:defRPr/>
-            </a:lvl1pPr>
-            <a:lvl2pPr lvl="1">
-              <a:spcBef>
-                <a:spcPts val="0"/>
-              </a:spcBef>
-              <a:spcAft>
-                <a:spcPts val="0"/>
-              </a:spcAft>
-              <a:buSzPts val="1400"/>
-              <a:buNone/>
-              <a:defRPr/>
-            </a:lvl2pPr>
-            <a:lvl3pPr lvl="2">
-              <a:spcBef>
-                <a:spcPts val="0"/>
-              </a:spcBef>
-              <a:spcAft>
-                <a:spcPts val="0"/>
-              </a:spcAft>
-              <a:buSzPts val="1400"/>
-              <a:buNone/>
-              <a:defRPr/>
-            </a:lvl3pPr>
-            <a:lvl4pPr lvl="3">
-              <a:spcBef>
-                <a:spcPts val="0"/>
-              </a:spcBef>
-              <a:spcAft>
-                <a:spcPts val="0"/>
-              </a:spcAft>
-              <a:buSzPts val="1400"/>
-              <a:buNone/>
-              <a:defRPr/>
-            </a:lvl4pPr>
-            <a:lvl5pPr lvl="4">
-              <a:spcBef>
-                <a:spcPts val="0"/>
-              </a:spcBef>
-              <a:spcAft>
-                <a:spcPts val="0"/>
-              </a:spcAft>
-              <a:buSzPts val="1400"/>
-              <a:buNone/>
-              <a:defRPr/>
-            </a:lvl5pPr>
-            <a:lvl6pPr lvl="5">
-              <a:spcBef>
-                <a:spcPts val="0"/>
-              </a:spcBef>
-              <a:spcAft>
-                <a:spcPts val="0"/>
-              </a:spcAft>
-              <a:buSzPts val="1400"/>
-              <a:buNone/>
-              <a:defRPr/>
-            </a:lvl6pPr>
-            <a:lvl7pPr lvl="6">
-              <a:spcBef>
-                <a:spcPts val="0"/>
-              </a:spcBef>
-              <a:spcAft>
-                <a:spcPts val="0"/>
-              </a:spcAft>
-              <a:buSzPts val="1400"/>
-              <a:buNone/>
-              <a:defRPr/>
-            </a:lvl7pPr>
-            <a:lvl8pPr lvl="7">
-              <a:spcBef>
-                <a:spcPts val="0"/>
-              </a:spcBef>
-              <a:spcAft>
-                <a:spcPts val="0"/>
-              </a:spcAft>
-              <a:buSzPts val="1400"/>
-              <a:buNone/>
-              <a:defRPr/>
-            </a:lvl8pPr>
-            <a:lvl9pPr lvl="8">
-              <a:spcBef>
-                <a:spcPts val="0"/>
-              </a:spcBef>
-              <a:spcAft>
-                <a:spcPts val="0"/>
-              </a:spcAft>
-              <a:buSzPts val="1400"/>
-              <a:buNone/>
-              <a:defRPr/>
-            </a:lvl9pPr>
-          </a:lstStyle>
-          <a:p>
-            <a:endParaRPr/>
-          </a:p>
-        </p:txBody>
-      </p:sp>
-      <p:sp>
-        <p:nvSpPr>
-          <p:cNvPr id="35" name="Google Shape;35;p5"/>
-          <p:cNvSpPr txBox="1">
-            <a:spLocks noGrp="1"/>
-          </p:cNvSpPr>
-          <p:nvPr>
-            <p:ph type="body" idx="1"/>
-          </p:nvPr>
-        </p:nvSpPr>
-        <p:spPr>
-          <a:xfrm>
-            <a:off x="838200" y="1825625"/>
-            <a:ext cx="10515600" cy="4351338"/>
-          </a:xfrm>
-          <a:prstGeom prst="rect">
-            <a:avLst/>
-          </a:prstGeom>
-          <a:noFill/>
-          <a:ln>
-            <a:noFill/>
-          </a:ln>
-        </p:spPr>
-        <p:txBody>
-          <a:bodyPr spcFirstLastPara="1" wrap="square" lIns="91425" tIns="45700" rIns="91425" bIns="45700" anchor="t" anchorCtr="0">
-            <a:normAutofit/>
-          </a:bodyPr>
-          <a:lstStyle>
-            <a:lvl1pPr marL="457200" lvl="0" indent="-342900" algn="l">
-              <a:lnSpc>
-                <a:spcPct val="90000"/>
-              </a:lnSpc>
-              <a:spcBef>
-                <a:spcPts val="1000"/>
-              </a:spcBef>
-              <a:spcAft>
-                <a:spcPts val="0"/>
-              </a:spcAft>
-              <a:buClr>
-                <a:schemeClr val="dk1"/>
-              </a:buClr>
-              <a:buSzPts val="1800"/>
-              <a:buChar char="•"/>
-              <a:defRPr/>
-            </a:lvl1pPr>
-            <a:lvl2pPr marL="914400" lvl="1" indent="-342900" algn="l">
-              <a:lnSpc>
-                <a:spcPct val="90000"/>
-              </a:lnSpc>
-              <a:spcBef>
-                <a:spcPts val="500"/>
-              </a:spcBef>
-              <a:spcAft>
-                <a:spcPts val="0"/>
-              </a:spcAft>
-              <a:buClr>
-                <a:schemeClr val="dk1"/>
-              </a:buClr>
-              <a:buSzPts val="1800"/>
-              <a:buChar char="•"/>
-              <a:defRPr/>
-            </a:lvl2pPr>
-            <a:lvl3pPr marL="1371600" lvl="2" indent="-342900" algn="l">
-              <a:lnSpc>
-                <a:spcPct val="90000"/>
-              </a:lnSpc>
-              <a:spcBef>
-                <a:spcPts val="500"/>
-              </a:spcBef>
-              <a:spcAft>
-                <a:spcPts val="0"/>
-              </a:spcAft>
-              <a:buClr>
-                <a:schemeClr val="dk1"/>
-              </a:buClr>
-              <a:buSzPts val="1800"/>
-              <a:buChar char="•"/>
-              <a:defRPr/>
-            </a:lvl3pPr>
-            <a:lvl4pPr marL="1828800" lvl="3" indent="-342900" algn="l">
-              <a:lnSpc>
-                <a:spcPct val="90000"/>
-              </a:lnSpc>
-              <a:spcBef>
-                <a:spcPts val="500"/>
-              </a:spcBef>
-              <a:spcAft>
-                <a:spcPts val="0"/>
-              </a:spcAft>
-              <a:buClr>
-                <a:schemeClr val="dk1"/>
-              </a:buClr>
-              <a:buSzPts val="1800"/>
-              <a:buChar char="•"/>
-              <a:defRPr/>
-            </a:lvl4pPr>
-            <a:lvl5pPr marL="2286000" lvl="4" indent="-342900" algn="l">
-              <a:lnSpc>
-                <a:spcPct val="90000"/>
-              </a:lnSpc>
-              <a:spcBef>
-                <a:spcPts val="500"/>
-              </a:spcBef>
-              <a:spcAft>
-                <a:spcPts val="0"/>
-              </a:spcAft>
-              <a:buClr>
-                <a:schemeClr val="dk1"/>
-              </a:buClr>
-              <a:buSzPts val="1800"/>
-              <a:buChar char="•"/>
-              <a:defRPr/>
-            </a:lvl5pPr>
-            <a:lvl6pPr marL="2743200" lvl="5" indent="-342900" algn="l">
-              <a:lnSpc>
-                <a:spcPct val="90000"/>
-              </a:lnSpc>
-              <a:spcBef>
-                <a:spcPts val="500"/>
-              </a:spcBef>
-              <a:spcAft>
-                <a:spcPts val="0"/>
-              </a:spcAft>
-              <a:buClr>
-                <a:schemeClr val="dk1"/>
-              </a:buClr>
-              <a:buSzPts val="1800"/>
-              <a:buChar char="•"/>
-              <a:defRPr/>
-            </a:lvl6pPr>
-            <a:lvl7pPr marL="3200400" lvl="6" indent="-342900" algn="l">
-              <a:lnSpc>
-                <a:spcPct val="90000"/>
-              </a:lnSpc>
-              <a:spcBef>
-                <a:spcPts val="500"/>
-              </a:spcBef>
-              <a:spcAft>
-                <a:spcPts val="0"/>
-              </a:spcAft>
-              <a:buClr>
-                <a:schemeClr val="dk1"/>
-              </a:buClr>
-              <a:buSzPts val="1800"/>
-              <a:buChar char="•"/>
-              <a:defRPr/>
-            </a:lvl7pPr>
-            <a:lvl8pPr marL="3657600" lvl="7" indent="-342900" algn="l">
-              <a:lnSpc>
-                <a:spcPct val="90000"/>
-              </a:lnSpc>
-              <a:spcBef>
-                <a:spcPts val="500"/>
-              </a:spcBef>
-              <a:spcAft>
-                <a:spcPts val="0"/>
-              </a:spcAft>
-              <a:buClr>
-                <a:schemeClr val="dk1"/>
-              </a:buClr>
-              <a:buSzPts val="1800"/>
-              <a:buChar char="•"/>
-              <a:defRPr/>
-            </a:lvl8pPr>
-            <a:lvl9pPr marL="4114800" lvl="8" indent="-342900" algn="l">
-              <a:lnSpc>
-                <a:spcPct val="90000"/>
-              </a:lnSpc>
-              <a:spcBef>
-                <a:spcPts val="500"/>
-              </a:spcBef>
-              <a:spcAft>
-                <a:spcPts val="0"/>
-              </a:spcAft>
-              <a:buClr>
-                <a:schemeClr val="dk1"/>
-              </a:buClr>
-              <a:buSzPts val="1800"/>
-              <a:buChar char="•"/>
-              <a:defRPr/>
-            </a:lvl9pPr>
-          </a:lstStyle>
-          <a:p>
-            <a:endParaRPr/>
-          </a:p>
-        </p:txBody>
-      </p:sp>
-      <p:sp>
-        <p:nvSpPr>
-          <p:cNvPr id="36" name="Google Shape;36;p5"/>
-          <p:cNvSpPr txBox="1">
-            <a:spLocks noGrp="1"/>
-          </p:cNvSpPr>
-          <p:nvPr>
-            <p:ph type="dt" idx="10"/>
-          </p:nvPr>
-        </p:nvSpPr>
-        <p:spPr>
-          <a:xfrm>
-            <a:off x="838200" y="6356350"/>
-            <a:ext cx="2743200" cy="365125"/>
-          </a:xfrm>
-          <a:prstGeom prst="rect">
-            <a:avLst/>
-          </a:prstGeom>
-          <a:noFill/>
-          <a:ln>
-            <a:noFill/>
-          </a:ln>
-        </p:spPr>
-        <p:txBody>
-          <a:bodyPr spcFirstLastPara="1" wrap="square" lIns="91425" tIns="45700" rIns="91425" bIns="45700" anchor="ctr" anchorCtr="0">
-            <a:noAutofit/>
-          </a:bodyPr>
-          <a:lstStyle>
-            <a:lvl1pPr lvl="0" algn="l">
-              <a:spcBef>
-                <a:spcPts val="0"/>
-              </a:spcBef>
-              <a:spcAft>
-                <a:spcPts val="0"/>
-              </a:spcAft>
-              <a:buSzPts val="1400"/>
-              <a:buNone/>
-              <a:defRPr/>
-            </a:lvl1pPr>
-            <a:lvl2pPr lvl="1" algn="l">
-              <a:spcBef>
-                <a:spcPts val="0"/>
-              </a:spcBef>
-              <a:spcAft>
-                <a:spcPts val="0"/>
-              </a:spcAft>
-              <a:buSzPts val="1400"/>
-              <a:buNone/>
-              <a:defRPr/>
-            </a:lvl2pPr>
-            <a:lvl3pPr lvl="2" algn="l">
-              <a:spcBef>
-                <a:spcPts val="0"/>
-              </a:spcBef>
-              <a:spcAft>
-                <a:spcPts val="0"/>
-              </a:spcAft>
-              <a:buSzPts val="1400"/>
-              <a:buNone/>
-              <a:defRPr/>
-            </a:lvl3pPr>
-            <a:lvl4pPr lvl="3" algn="l">
-              <a:spcBef>
-                <a:spcPts val="0"/>
-              </a:spcBef>
-              <a:spcAft>
-                <a:spcPts val="0"/>
-              </a:spcAft>
-              <a:buSzPts val="1400"/>
-              <a:buNone/>
-              <a:defRPr/>
-            </a:lvl4pPr>
-            <a:lvl5pPr lvl="4" algn="l">
-              <a:spcBef>
-                <a:spcPts val="0"/>
-              </a:spcBef>
-              <a:spcAft>
-                <a:spcPts val="0"/>
-              </a:spcAft>
-              <a:buSzPts val="1400"/>
-              <a:buNone/>
-              <a:defRPr/>
-            </a:lvl5pPr>
-            <a:lvl6pPr lvl="5" algn="l">
-              <a:spcBef>
-                <a:spcPts val="0"/>
-              </a:spcBef>
-              <a:spcAft>
-                <a:spcPts val="0"/>
-              </a:spcAft>
-              <a:buSzPts val="1400"/>
-              <a:buNone/>
-              <a:defRPr/>
-            </a:lvl6pPr>
-            <a:lvl7pPr lvl="6" algn="l">
-              <a:spcBef>
-                <a:spcPts val="0"/>
-              </a:spcBef>
-              <a:spcAft>
-                <a:spcPts val="0"/>
-              </a:spcAft>
-              <a:buSzPts val="1400"/>
-              <a:buNone/>
-              <a:defRPr/>
-            </a:lvl7pPr>
-            <a:lvl8pPr lvl="7" algn="l">
-              <a:spcBef>
-                <a:spcPts val="0"/>
-              </a:spcBef>
-              <a:spcAft>
-                <a:spcPts val="0"/>
-              </a:spcAft>
-              <a:buSzPts val="1400"/>
-              <a:buNone/>
-              <a:defRPr/>
-            </a:lvl8pPr>
-            <a:lvl9pPr lvl="8" algn="l">
-              <a:spcBef>
-                <a:spcPts val="0"/>
-              </a:spcBef>
-              <a:spcAft>
-                <a:spcPts val="0"/>
-              </a:spcAft>
-              <a:buSzPts val="1400"/>
-              <a:buNone/>
-              <a:defRPr/>
-            </a:lvl9pPr>
-          </a:lstStyle>
-          <a:p>
-            <a:endParaRPr/>
-          </a:p>
-        </p:txBody>
-      </p:sp>
-      <p:sp>
-        <p:nvSpPr>
-          <p:cNvPr id="37" name="Google Shape;37;p5"/>
-          <p:cNvSpPr txBox="1">
-            <a:spLocks noGrp="1"/>
-          </p:cNvSpPr>
-          <p:nvPr>
-            <p:ph type="ftr" idx="11"/>
-          </p:nvPr>
-        </p:nvSpPr>
-        <p:spPr>
-          <a:xfrm>
-            <a:off x="4038600" y="6356350"/>
-            <a:ext cx="4114800" cy="365125"/>
-          </a:xfrm>
-          <a:prstGeom prst="rect">
-            <a:avLst/>
-          </a:prstGeom>
-          <a:noFill/>
-          <a:ln>
-            <a:noFill/>
-          </a:ln>
-        </p:spPr>
-        <p:txBody>
-          <a:bodyPr spcFirstLastPara="1" wrap="square" lIns="91425" tIns="45700" rIns="91425" bIns="45700" anchor="ctr" anchorCtr="0">
-            <a:noAutofit/>
-          </a:bodyPr>
-          <a:lstStyle>
-            <a:lvl1pPr lvl="0" algn="ctr">
-              <a:spcBef>
-                <a:spcPts val="0"/>
-              </a:spcBef>
-              <a:spcAft>
-                <a:spcPts val="0"/>
-              </a:spcAft>
-              <a:buSzPts val="1400"/>
-              <a:buNone/>
-              <a:defRPr/>
-            </a:lvl1pPr>
-            <a:lvl2pPr lvl="1" algn="l">
-              <a:spcBef>
-                <a:spcPts val="0"/>
-              </a:spcBef>
-              <a:spcAft>
-                <a:spcPts val="0"/>
-              </a:spcAft>
-              <a:buSzPts val="1400"/>
-              <a:buNone/>
-              <a:defRPr/>
-            </a:lvl2pPr>
-            <a:lvl3pPr lvl="2" algn="l">
-              <a:spcBef>
-                <a:spcPts val="0"/>
-              </a:spcBef>
-              <a:spcAft>
-                <a:spcPts val="0"/>
-              </a:spcAft>
-              <a:buSzPts val="1400"/>
-              <a:buNone/>
-              <a:defRPr/>
-            </a:lvl3pPr>
-            <a:lvl4pPr lvl="3" algn="l">
-              <a:spcBef>
-                <a:spcPts val="0"/>
-              </a:spcBef>
-              <a:spcAft>
-                <a:spcPts val="0"/>
-              </a:spcAft>
-              <a:buSzPts val="1400"/>
-              <a:buNone/>
-              <a:defRPr/>
-            </a:lvl4pPr>
-            <a:lvl5pPr lvl="4" algn="l">
-              <a:spcBef>
-                <a:spcPts val="0"/>
-              </a:spcBef>
-              <a:spcAft>
-                <a:spcPts val="0"/>
-              </a:spcAft>
-              <a:buSzPts val="1400"/>
-              <a:buNone/>
-              <a:defRPr/>
-            </a:lvl5pPr>
-            <a:lvl6pPr lvl="5" algn="l">
-              <a:spcBef>
-                <a:spcPts val="0"/>
-              </a:spcBef>
-              <a:spcAft>
-                <a:spcPts val="0"/>
-              </a:spcAft>
-              <a:buSzPts val="1400"/>
-              <a:buNone/>
-              <a:defRPr/>
-            </a:lvl6pPr>
-            <a:lvl7pPr lvl="6" algn="l">
-              <a:spcBef>
-                <a:spcPts val="0"/>
-              </a:spcBef>
-              <a:spcAft>
-                <a:spcPts val="0"/>
-              </a:spcAft>
-              <a:buSzPts val="1400"/>
-              <a:buNone/>
-              <a:defRPr/>
-            </a:lvl7pPr>
-            <a:lvl8pPr lvl="7" algn="l">
-              <a:spcBef>
-                <a:spcPts val="0"/>
-              </a:spcBef>
-              <a:spcAft>
-                <a:spcPts val="0"/>
-              </a:spcAft>
-              <a:buSzPts val="1400"/>
-              <a:buNone/>
-              <a:defRPr/>
-            </a:lvl8pPr>
-            <a:lvl9pPr lvl="8" algn="l">
-              <a:spcBef>
-                <a:spcPts val="0"/>
-              </a:spcBef>
-              <a:spcAft>
-                <a:spcPts val="0"/>
-              </a:spcAft>
-              <a:buSzPts val="1400"/>
-              <a:buNone/>
-              <a:defRPr/>
-            </a:lvl9pPr>
-          </a:lstStyle>
-          <a:p>
-            <a:endParaRPr/>
-          </a:p>
-        </p:txBody>
-      </p:sp>
-      <p:sp>
-        <p:nvSpPr>
-          <p:cNvPr id="38" name="Google Shape;38;p5"/>
-          <p:cNvSpPr txBox="1">
-            <a:spLocks noGrp="1"/>
-          </p:cNvSpPr>
-          <p:nvPr>
-            <p:ph type="sldNum" idx="12"/>
-          </p:nvPr>
-        </p:nvSpPr>
-        <p:spPr>
-          <a:xfrm>
-            <a:off x="8610600" y="6356350"/>
-            <a:ext cx="2743200" cy="365125"/>
-          </a:xfrm>
-          <a:prstGeom prst="rect">
-            <a:avLst/>
-          </a:prstGeom>
-          <a:noFill/>
-          <a:ln>
-            <a:noFill/>
-          </a:ln>
-        </p:spPr>
-        <p:txBody>
-          <a:bodyPr spcFirstLastPara="1" wrap="square" lIns="91425" tIns="45700" rIns="91425" bIns="45700" anchor="ctr" anchorCtr="0">
-            <a:noAutofit/>
-          </a:bodyPr>
-          <a:lstStyle>
-            <a:lvl1pPr marL="0" lvl="0" indent="0" algn="r">
-              <a:spcBef>
-                <a:spcPts val="0"/>
-              </a:spcBef>
-              <a:buNone/>
-              <a:defRPr/>
-            </a:lvl1pPr>
-            <a:lvl2pPr marL="0" lvl="1" indent="0" algn="r">
-              <a:spcBef>
-                <a:spcPts val="0"/>
-              </a:spcBef>
-              <a:buNone/>
-              <a:defRPr/>
-            </a:lvl2pPr>
-            <a:lvl3pPr marL="0" lvl="2" indent="0" algn="r">
-              <a:spcBef>
-                <a:spcPts val="0"/>
-              </a:spcBef>
-              <a:buNone/>
-              <a:defRPr/>
-            </a:lvl3pPr>
-            <a:lvl4pPr marL="0" lvl="3" indent="0" algn="r">
-              <a:spcBef>
-                <a:spcPts val="0"/>
-              </a:spcBef>
-              <a:buNone/>
-              <a:defRPr/>
-            </a:lvl4pPr>
-            <a:lvl5pPr marL="0" lvl="4" indent="0" algn="r">
-              <a:spcBef>
-                <a:spcPts val="0"/>
-              </a:spcBef>
-              <a:buNone/>
-              <a:defRPr/>
-            </a:lvl5pPr>
-            <a:lvl6pPr marL="0" lvl="5" indent="0" algn="r">
-              <a:spcBef>
-                <a:spcPts val="0"/>
-              </a:spcBef>
-              <a:buNone/>
-              <a:defRPr/>
-            </a:lvl6pPr>
-            <a:lvl7pPr marL="0" lvl="6" indent="0" algn="r">
-              <a:spcBef>
-                <a:spcPts val="0"/>
-              </a:spcBef>
-              <a:buNone/>
-              <a:defRPr/>
-            </a:lvl7pPr>
-            <a:lvl8pPr marL="0" lvl="7" indent="0" algn="r">
-              <a:spcBef>
-                <a:spcPts val="0"/>
-              </a:spcBef>
-              <a:buNone/>
-              <a:defRPr/>
-            </a:lvl8pPr>
-            <a:lvl9pPr marL="0" lvl="8" indent="0" algn="r">
-              <a:spcBef>
-                <a:spcPts val="0"/>
-              </a:spcBef>
-              <a:buNone/>
-              <a:defRPr/>
-            </a:lvl9pPr>
-          </a:lstStyle>
-          <a:p>
-            <a:pPr marL="0" lvl="0" indent="0" algn="r" rtl="0">
-              <a:spcBef>
-                <a:spcPts val="0"/>
-              </a:spcBef>
-              <a:spcAft>
-                <a:spcPts val="0"/>
-              </a:spcAft>
-              <a:buNone/>
-            </a:pPr>
-            <a:fld id="{00000000-1234-1234-1234-123412341234}" type="slidenum">
-              <a:rPr lang="en-IN"/>
-              <a:t>‹#›</a:t>
-            </a:fld>
-            <a:endParaRPr/>
-          </a:p>
-        </p:txBody>
-      </p:sp>
-      <p:pic>
-        <p:nvPicPr>
-          <p:cNvPr id="39" name="Google Shape;39;p5"/>
-          <p:cNvPicPr preferRelativeResize="0"/>
-          <p:nvPr/>
-        </p:nvPicPr>
-        <p:blipFill rotWithShape="1">
-          <a:blip r:embed="rId2">
-            <a:alphaModFix/>
-          </a:blip>
-          <a:srcRect/>
-          <a:stretch/>
-        </p:blipFill>
-        <p:spPr>
-          <a:xfrm>
-            <a:off x="8814232" y="6184984"/>
-            <a:ext cx="3225397" cy="673016"/>
-          </a:xfrm>
-          <a:prstGeom prst="rect">
-            <a:avLst/>
-          </a:prstGeom>
-          <a:noFill/>
-          <a:ln>
-            <a:noFill/>
-          </a:ln>
-        </p:spPr>
-      </p:pic>
-    </p:spTree>
-  </p:cSld>
-  <p:clrMapOvr>
-    <a:masterClrMapping/>
-  </p:clrMapOvr>
-</p:sldLayout>
-</file>
-
-<file path=ppt/slideLayouts/slideLayout5.xml><?xml version="1.0" encoding="utf-8"?>
 <p:sldLayout xmlns:a="http://schemas.openxmlformats.org/drawingml/2006/main" xmlns:r="http://schemas.openxmlformats.org/officeDocument/2006/relationships" xmlns:p="http://schemas.openxmlformats.org/presentationml/2006/main" matchingName="Section Header" type="secHead">
   <p:cSld name="SECTION_HEADER">
     <p:spTree>
@@ -7077,7 +5323,7 @@
 </p:sldLayout>
 </file>
 
-<file path=ppt/slideLayouts/slideLayout6.xml><?xml version="1.0" encoding="utf-8"?>
+<file path=ppt/slideLayouts/slideLayout5.xml><?xml version="1.0" encoding="utf-8"?>
 <p:sldLayout xmlns:a="http://schemas.openxmlformats.org/drawingml/2006/main" xmlns:r="http://schemas.openxmlformats.org/officeDocument/2006/relationships" xmlns:p="http://schemas.openxmlformats.org/presentationml/2006/main" matchingName="Two Content" type="twoObj">
   <p:cSld name="TWO_OBJECTS">
     <p:spTree>
@@ -8018,7 +6264,7 @@
 </p:sldLayout>
 </file>
 
-<file path=ppt/slideLayouts/slideLayout7.xml><?xml version="1.0" encoding="utf-8"?>
+<file path=ppt/slideLayouts/slideLayout6.xml><?xml version="1.0" encoding="utf-8"?>
 <p:sldLayout xmlns:a="http://schemas.openxmlformats.org/drawingml/2006/main" xmlns:r="http://schemas.openxmlformats.org/officeDocument/2006/relationships" xmlns:p="http://schemas.openxmlformats.org/presentationml/2006/main" matchingName="Comparison" type="twoTxTwoObj">
   <p:cSld name="TWO_OBJECTS_WITH_TEXT">
     <p:spTree>
@@ -9333,7 +7579,7 @@
 </p:sldLayout>
 </file>
 
-<file path=ppt/slideLayouts/slideLayout8.xml><?xml version="1.0" encoding="utf-8"?>
+<file path=ppt/slideLayouts/slideLayout7.xml><?xml version="1.0" encoding="utf-8"?>
 <p:sldLayout xmlns:a="http://schemas.openxmlformats.org/drawingml/2006/main" xmlns:r="http://schemas.openxmlformats.org/officeDocument/2006/relationships" xmlns:p="http://schemas.openxmlformats.org/presentationml/2006/main" matchingName="Content with Caption" type="objTx">
   <p:cSld name="OBJECT_WITH_CAPTION_TEXT">
     <p:spTree>
@@ -10275,7 +8521,7 @@
 </p:sldLayout>
 </file>
 
-<file path=ppt/slideLayouts/slideLayout9.xml><?xml version="1.0" encoding="utf-8"?>
+<file path=ppt/slideLayouts/slideLayout8.xml><?xml version="1.0" encoding="utf-8"?>
 <p:sldLayout xmlns:a="http://schemas.openxmlformats.org/drawingml/2006/main" xmlns:r="http://schemas.openxmlformats.org/officeDocument/2006/relationships" xmlns:p="http://schemas.openxmlformats.org/presentationml/2006/main" matchingName="Picture with Caption" type="picTx">
   <p:cSld name="PICTURE_WITH_CAPTION_TEXT">
     <p:spTree>
@@ -11022,6 +9268,760 @@
       <p:pic>
         <p:nvPicPr>
           <p:cNvPr id="80" name="Google Shape;80;p10"/>
+          <p:cNvPicPr preferRelativeResize="0"/>
+          <p:nvPr/>
+        </p:nvPicPr>
+        <p:blipFill rotWithShape="1">
+          <a:blip r:embed="rId2">
+            <a:alphaModFix/>
+          </a:blip>
+          <a:srcRect/>
+          <a:stretch/>
+        </p:blipFill>
+        <p:spPr>
+          <a:xfrm>
+            <a:off x="8814232" y="6184984"/>
+            <a:ext cx="3225397" cy="673016"/>
+          </a:xfrm>
+          <a:prstGeom prst="rect">
+            <a:avLst/>
+          </a:prstGeom>
+          <a:noFill/>
+          <a:ln>
+            <a:noFill/>
+          </a:ln>
+        </p:spPr>
+      </p:pic>
+    </p:spTree>
+  </p:cSld>
+  <p:clrMapOvr>
+    <a:masterClrMapping/>
+  </p:clrMapOvr>
+</p:sldLayout>
+</file>
+
+<file path=ppt/slideLayouts/slideLayout9.xml><?xml version="1.0" encoding="utf-8"?>
+<p:sldLayout xmlns:a="http://schemas.openxmlformats.org/drawingml/2006/main" xmlns:r="http://schemas.openxmlformats.org/officeDocument/2006/relationships" xmlns:p="http://schemas.openxmlformats.org/presentationml/2006/main" matchingName="Title and Vertical Text" type="vertTx">
+  <p:cSld name="VERTICAL_TEXT">
+    <p:spTree>
+      <p:nvGrpSpPr>
+        <p:cNvPr id="1" name="Shape 81"/>
+        <p:cNvGrpSpPr/>
+        <p:nvPr/>
+      </p:nvGrpSpPr>
+      <p:grpSpPr>
+        <a:xfrm>
+          <a:off x="0" y="0"/>
+          <a:ext cx="0" cy="0"/>
+          <a:chOff x="0" y="0"/>
+          <a:chExt cx="0" cy="0"/>
+        </a:xfrm>
+      </p:grpSpPr>
+      <p:sp>
+        <p:nvSpPr>
+          <p:cNvPr id="82" name="Google Shape;82;p11"/>
+          <p:cNvSpPr txBox="1">
+            <a:spLocks noGrp="1"/>
+          </p:cNvSpPr>
+          <p:nvPr>
+            <p:ph type="title"/>
+          </p:nvPr>
+        </p:nvSpPr>
+        <p:spPr>
+          <a:xfrm>
+            <a:off x="838200" y="365125"/>
+            <a:ext cx="10515600" cy="1325563"/>
+          </a:xfrm>
+          <a:prstGeom prst="rect">
+            <a:avLst/>
+          </a:prstGeom>
+          <a:noFill/>
+          <a:ln>
+            <a:noFill/>
+          </a:ln>
+        </p:spPr>
+        <p:txBody>
+          <a:bodyPr spcFirstLastPara="1" wrap="square" lIns="91425" tIns="45700" rIns="91425" bIns="45700" anchor="ctr" anchorCtr="0">
+            <a:normAutofit/>
+          </a:bodyPr>
+          <a:lstStyle>
+            <a:lvl1pPr lvl="0" algn="l">
+              <a:lnSpc>
+                <a:spcPct val="90000"/>
+              </a:lnSpc>
+              <a:spcBef>
+                <a:spcPts val="0"/>
+              </a:spcBef>
+              <a:spcAft>
+                <a:spcPts val="0"/>
+              </a:spcAft>
+              <a:buClr>
+                <a:schemeClr val="dk1"/>
+              </a:buClr>
+              <a:buSzPts val="1800"/>
+              <a:buNone/>
+              <a:defRPr/>
+            </a:lvl1pPr>
+            <a:lvl2pPr lvl="1">
+              <a:spcBef>
+                <a:spcPts val="0"/>
+              </a:spcBef>
+              <a:spcAft>
+                <a:spcPts val="0"/>
+              </a:spcAft>
+              <a:buSzPts val="1400"/>
+              <a:buNone/>
+              <a:defRPr/>
+            </a:lvl2pPr>
+            <a:lvl3pPr lvl="2">
+              <a:spcBef>
+                <a:spcPts val="0"/>
+              </a:spcBef>
+              <a:spcAft>
+                <a:spcPts val="0"/>
+              </a:spcAft>
+              <a:buSzPts val="1400"/>
+              <a:buNone/>
+              <a:defRPr/>
+            </a:lvl3pPr>
+            <a:lvl4pPr lvl="3">
+              <a:spcBef>
+                <a:spcPts val="0"/>
+              </a:spcBef>
+              <a:spcAft>
+                <a:spcPts val="0"/>
+              </a:spcAft>
+              <a:buSzPts val="1400"/>
+              <a:buNone/>
+              <a:defRPr/>
+            </a:lvl4pPr>
+            <a:lvl5pPr lvl="4">
+              <a:spcBef>
+                <a:spcPts val="0"/>
+              </a:spcBef>
+              <a:spcAft>
+                <a:spcPts val="0"/>
+              </a:spcAft>
+              <a:buSzPts val="1400"/>
+              <a:buNone/>
+              <a:defRPr/>
+            </a:lvl5pPr>
+            <a:lvl6pPr lvl="5">
+              <a:spcBef>
+                <a:spcPts val="0"/>
+              </a:spcBef>
+              <a:spcAft>
+                <a:spcPts val="0"/>
+              </a:spcAft>
+              <a:buSzPts val="1400"/>
+              <a:buNone/>
+              <a:defRPr/>
+            </a:lvl6pPr>
+            <a:lvl7pPr lvl="6">
+              <a:spcBef>
+                <a:spcPts val="0"/>
+              </a:spcBef>
+              <a:spcAft>
+                <a:spcPts val="0"/>
+              </a:spcAft>
+              <a:buSzPts val="1400"/>
+              <a:buNone/>
+              <a:defRPr/>
+            </a:lvl7pPr>
+            <a:lvl8pPr lvl="7">
+              <a:spcBef>
+                <a:spcPts val="0"/>
+              </a:spcBef>
+              <a:spcAft>
+                <a:spcPts val="0"/>
+              </a:spcAft>
+              <a:buSzPts val="1400"/>
+              <a:buNone/>
+              <a:defRPr/>
+            </a:lvl8pPr>
+            <a:lvl9pPr lvl="8">
+              <a:spcBef>
+                <a:spcPts val="0"/>
+              </a:spcBef>
+              <a:spcAft>
+                <a:spcPts val="0"/>
+              </a:spcAft>
+              <a:buSzPts val="1400"/>
+              <a:buNone/>
+              <a:defRPr/>
+            </a:lvl9pPr>
+          </a:lstStyle>
+          <a:p>
+            <a:endParaRPr/>
+          </a:p>
+        </p:txBody>
+      </p:sp>
+      <p:sp>
+        <p:nvSpPr>
+          <p:cNvPr id="83" name="Google Shape;83;p11"/>
+          <p:cNvSpPr txBox="1">
+            <a:spLocks noGrp="1"/>
+          </p:cNvSpPr>
+          <p:nvPr>
+            <p:ph type="body" idx="1"/>
+          </p:nvPr>
+        </p:nvSpPr>
+        <p:spPr>
+          <a:xfrm rot="5400000">
+            <a:off x="3920331" y="-1256506"/>
+            <a:ext cx="4351338" cy="10515600"/>
+          </a:xfrm>
+          <a:prstGeom prst="rect">
+            <a:avLst/>
+          </a:prstGeom>
+          <a:noFill/>
+          <a:ln>
+            <a:noFill/>
+          </a:ln>
+        </p:spPr>
+        <p:txBody>
+          <a:bodyPr spcFirstLastPara="1" wrap="square" lIns="91425" tIns="45700" rIns="91425" bIns="45700" anchor="t" anchorCtr="0">
+            <a:normAutofit/>
+          </a:bodyPr>
+          <a:lstStyle>
+            <a:lvl1pPr marL="457200" lvl="0" indent="-342900" algn="l">
+              <a:lnSpc>
+                <a:spcPct val="90000"/>
+              </a:lnSpc>
+              <a:spcBef>
+                <a:spcPts val="1000"/>
+              </a:spcBef>
+              <a:spcAft>
+                <a:spcPts val="0"/>
+              </a:spcAft>
+              <a:buClr>
+                <a:schemeClr val="dk1"/>
+              </a:buClr>
+              <a:buSzPts val="1800"/>
+              <a:buChar char="•"/>
+              <a:defRPr/>
+            </a:lvl1pPr>
+            <a:lvl2pPr marL="914400" lvl="1" indent="-342900" algn="l">
+              <a:lnSpc>
+                <a:spcPct val="90000"/>
+              </a:lnSpc>
+              <a:spcBef>
+                <a:spcPts val="500"/>
+              </a:spcBef>
+              <a:spcAft>
+                <a:spcPts val="0"/>
+              </a:spcAft>
+              <a:buClr>
+                <a:schemeClr val="dk1"/>
+              </a:buClr>
+              <a:buSzPts val="1800"/>
+              <a:buChar char="•"/>
+              <a:defRPr/>
+            </a:lvl2pPr>
+            <a:lvl3pPr marL="1371600" lvl="2" indent="-342900" algn="l">
+              <a:lnSpc>
+                <a:spcPct val="90000"/>
+              </a:lnSpc>
+              <a:spcBef>
+                <a:spcPts val="500"/>
+              </a:spcBef>
+              <a:spcAft>
+                <a:spcPts val="0"/>
+              </a:spcAft>
+              <a:buClr>
+                <a:schemeClr val="dk1"/>
+              </a:buClr>
+              <a:buSzPts val="1800"/>
+              <a:buChar char="•"/>
+              <a:defRPr/>
+            </a:lvl3pPr>
+            <a:lvl4pPr marL="1828800" lvl="3" indent="-342900" algn="l">
+              <a:lnSpc>
+                <a:spcPct val="90000"/>
+              </a:lnSpc>
+              <a:spcBef>
+                <a:spcPts val="500"/>
+              </a:spcBef>
+              <a:spcAft>
+                <a:spcPts val="0"/>
+              </a:spcAft>
+              <a:buClr>
+                <a:schemeClr val="dk1"/>
+              </a:buClr>
+              <a:buSzPts val="1800"/>
+              <a:buChar char="•"/>
+              <a:defRPr/>
+            </a:lvl4pPr>
+            <a:lvl5pPr marL="2286000" lvl="4" indent="-342900" algn="l">
+              <a:lnSpc>
+                <a:spcPct val="90000"/>
+              </a:lnSpc>
+              <a:spcBef>
+                <a:spcPts val="500"/>
+              </a:spcBef>
+              <a:spcAft>
+                <a:spcPts val="0"/>
+              </a:spcAft>
+              <a:buClr>
+                <a:schemeClr val="dk1"/>
+              </a:buClr>
+              <a:buSzPts val="1800"/>
+              <a:buChar char="•"/>
+              <a:defRPr/>
+            </a:lvl5pPr>
+            <a:lvl6pPr marL="2743200" lvl="5" indent="-342900" algn="l">
+              <a:lnSpc>
+                <a:spcPct val="90000"/>
+              </a:lnSpc>
+              <a:spcBef>
+                <a:spcPts val="500"/>
+              </a:spcBef>
+              <a:spcAft>
+                <a:spcPts val="0"/>
+              </a:spcAft>
+              <a:buClr>
+                <a:schemeClr val="dk1"/>
+              </a:buClr>
+              <a:buSzPts val="1800"/>
+              <a:buChar char="•"/>
+              <a:defRPr/>
+            </a:lvl6pPr>
+            <a:lvl7pPr marL="3200400" lvl="6" indent="-342900" algn="l">
+              <a:lnSpc>
+                <a:spcPct val="90000"/>
+              </a:lnSpc>
+              <a:spcBef>
+                <a:spcPts val="500"/>
+              </a:spcBef>
+              <a:spcAft>
+                <a:spcPts val="0"/>
+              </a:spcAft>
+              <a:buClr>
+                <a:schemeClr val="dk1"/>
+              </a:buClr>
+              <a:buSzPts val="1800"/>
+              <a:buChar char="•"/>
+              <a:defRPr/>
+            </a:lvl7pPr>
+            <a:lvl8pPr marL="3657600" lvl="7" indent="-342900" algn="l">
+              <a:lnSpc>
+                <a:spcPct val="90000"/>
+              </a:lnSpc>
+              <a:spcBef>
+                <a:spcPts val="500"/>
+              </a:spcBef>
+              <a:spcAft>
+                <a:spcPts val="0"/>
+              </a:spcAft>
+              <a:buClr>
+                <a:schemeClr val="dk1"/>
+              </a:buClr>
+              <a:buSzPts val="1800"/>
+              <a:buChar char="•"/>
+              <a:defRPr/>
+            </a:lvl8pPr>
+            <a:lvl9pPr marL="4114800" lvl="8" indent="-342900" algn="l">
+              <a:lnSpc>
+                <a:spcPct val="90000"/>
+              </a:lnSpc>
+              <a:spcBef>
+                <a:spcPts val="500"/>
+              </a:spcBef>
+              <a:spcAft>
+                <a:spcPts val="0"/>
+              </a:spcAft>
+              <a:buClr>
+                <a:schemeClr val="dk1"/>
+              </a:buClr>
+              <a:buSzPts val="1800"/>
+              <a:buChar char="•"/>
+              <a:defRPr/>
+            </a:lvl9pPr>
+          </a:lstStyle>
+          <a:p>
+            <a:endParaRPr/>
+          </a:p>
+        </p:txBody>
+      </p:sp>
+      <p:sp>
+        <p:nvSpPr>
+          <p:cNvPr id="84" name="Google Shape;84;p11"/>
+          <p:cNvSpPr txBox="1">
+            <a:spLocks noGrp="1"/>
+          </p:cNvSpPr>
+          <p:nvPr>
+            <p:ph type="dt" idx="10"/>
+          </p:nvPr>
+        </p:nvSpPr>
+        <p:spPr>
+          <a:xfrm>
+            <a:off x="838200" y="6356350"/>
+            <a:ext cx="2743200" cy="365125"/>
+          </a:xfrm>
+          <a:prstGeom prst="rect">
+            <a:avLst/>
+          </a:prstGeom>
+          <a:noFill/>
+          <a:ln>
+            <a:noFill/>
+          </a:ln>
+        </p:spPr>
+        <p:txBody>
+          <a:bodyPr spcFirstLastPara="1" wrap="square" lIns="91425" tIns="45700" rIns="91425" bIns="45700" anchor="ctr" anchorCtr="0">
+            <a:noAutofit/>
+          </a:bodyPr>
+          <a:lstStyle>
+            <a:lvl1pPr lvl="0" algn="l">
+              <a:spcBef>
+                <a:spcPts val="0"/>
+              </a:spcBef>
+              <a:spcAft>
+                <a:spcPts val="0"/>
+              </a:spcAft>
+              <a:buSzPts val="1400"/>
+              <a:buNone/>
+              <a:defRPr/>
+            </a:lvl1pPr>
+            <a:lvl2pPr lvl="1" algn="l">
+              <a:spcBef>
+                <a:spcPts val="0"/>
+              </a:spcBef>
+              <a:spcAft>
+                <a:spcPts val="0"/>
+              </a:spcAft>
+              <a:buSzPts val="1400"/>
+              <a:buNone/>
+              <a:defRPr/>
+            </a:lvl2pPr>
+            <a:lvl3pPr lvl="2" algn="l">
+              <a:spcBef>
+                <a:spcPts val="0"/>
+              </a:spcBef>
+              <a:spcAft>
+                <a:spcPts val="0"/>
+              </a:spcAft>
+              <a:buSzPts val="1400"/>
+              <a:buNone/>
+              <a:defRPr/>
+            </a:lvl3pPr>
+            <a:lvl4pPr lvl="3" algn="l">
+              <a:spcBef>
+                <a:spcPts val="0"/>
+              </a:spcBef>
+              <a:spcAft>
+                <a:spcPts val="0"/>
+              </a:spcAft>
+              <a:buSzPts val="1400"/>
+              <a:buNone/>
+              <a:defRPr/>
+            </a:lvl4pPr>
+            <a:lvl5pPr lvl="4" algn="l">
+              <a:spcBef>
+                <a:spcPts val="0"/>
+              </a:spcBef>
+              <a:spcAft>
+                <a:spcPts val="0"/>
+              </a:spcAft>
+              <a:buSzPts val="1400"/>
+              <a:buNone/>
+              <a:defRPr/>
+            </a:lvl5pPr>
+            <a:lvl6pPr lvl="5" algn="l">
+              <a:spcBef>
+                <a:spcPts val="0"/>
+              </a:spcBef>
+              <a:spcAft>
+                <a:spcPts val="0"/>
+              </a:spcAft>
+              <a:buSzPts val="1400"/>
+              <a:buNone/>
+              <a:defRPr/>
+            </a:lvl6pPr>
+            <a:lvl7pPr lvl="6" algn="l">
+              <a:spcBef>
+                <a:spcPts val="0"/>
+              </a:spcBef>
+              <a:spcAft>
+                <a:spcPts val="0"/>
+              </a:spcAft>
+              <a:buSzPts val="1400"/>
+              <a:buNone/>
+              <a:defRPr/>
+            </a:lvl7pPr>
+            <a:lvl8pPr lvl="7" algn="l">
+              <a:spcBef>
+                <a:spcPts val="0"/>
+              </a:spcBef>
+              <a:spcAft>
+                <a:spcPts val="0"/>
+              </a:spcAft>
+              <a:buSzPts val="1400"/>
+              <a:buNone/>
+              <a:defRPr/>
+            </a:lvl8pPr>
+            <a:lvl9pPr lvl="8" algn="l">
+              <a:spcBef>
+                <a:spcPts val="0"/>
+              </a:spcBef>
+              <a:spcAft>
+                <a:spcPts val="0"/>
+              </a:spcAft>
+              <a:buSzPts val="1400"/>
+              <a:buNone/>
+              <a:defRPr/>
+            </a:lvl9pPr>
+          </a:lstStyle>
+          <a:p>
+            <a:endParaRPr/>
+          </a:p>
+        </p:txBody>
+      </p:sp>
+      <p:sp>
+        <p:nvSpPr>
+          <p:cNvPr id="85" name="Google Shape;85;p11"/>
+          <p:cNvSpPr txBox="1">
+            <a:spLocks noGrp="1"/>
+          </p:cNvSpPr>
+          <p:nvPr>
+            <p:ph type="ftr" idx="11"/>
+          </p:nvPr>
+        </p:nvSpPr>
+        <p:spPr>
+          <a:xfrm>
+            <a:off x="4038600" y="6356350"/>
+            <a:ext cx="4114800" cy="365125"/>
+          </a:xfrm>
+          <a:prstGeom prst="rect">
+            <a:avLst/>
+          </a:prstGeom>
+          <a:noFill/>
+          <a:ln>
+            <a:noFill/>
+          </a:ln>
+        </p:spPr>
+        <p:txBody>
+          <a:bodyPr spcFirstLastPara="1" wrap="square" lIns="91425" tIns="45700" rIns="91425" bIns="45700" anchor="ctr" anchorCtr="0">
+            <a:noAutofit/>
+          </a:bodyPr>
+          <a:lstStyle>
+            <a:lvl1pPr lvl="0" algn="ctr">
+              <a:spcBef>
+                <a:spcPts val="0"/>
+              </a:spcBef>
+              <a:spcAft>
+                <a:spcPts val="0"/>
+              </a:spcAft>
+              <a:buSzPts val="1400"/>
+              <a:buNone/>
+              <a:defRPr/>
+            </a:lvl1pPr>
+            <a:lvl2pPr lvl="1" algn="l">
+              <a:spcBef>
+                <a:spcPts val="0"/>
+              </a:spcBef>
+              <a:spcAft>
+                <a:spcPts val="0"/>
+              </a:spcAft>
+              <a:buSzPts val="1400"/>
+              <a:buNone/>
+              <a:defRPr/>
+            </a:lvl2pPr>
+            <a:lvl3pPr lvl="2" algn="l">
+              <a:spcBef>
+                <a:spcPts val="0"/>
+              </a:spcBef>
+              <a:spcAft>
+                <a:spcPts val="0"/>
+              </a:spcAft>
+              <a:buSzPts val="1400"/>
+              <a:buNone/>
+              <a:defRPr/>
+            </a:lvl3pPr>
+            <a:lvl4pPr lvl="3" algn="l">
+              <a:spcBef>
+                <a:spcPts val="0"/>
+              </a:spcBef>
+              <a:spcAft>
+                <a:spcPts val="0"/>
+              </a:spcAft>
+              <a:buSzPts val="1400"/>
+              <a:buNone/>
+              <a:defRPr/>
+            </a:lvl4pPr>
+            <a:lvl5pPr lvl="4" algn="l">
+              <a:spcBef>
+                <a:spcPts val="0"/>
+              </a:spcBef>
+              <a:spcAft>
+                <a:spcPts val="0"/>
+              </a:spcAft>
+              <a:buSzPts val="1400"/>
+              <a:buNone/>
+              <a:defRPr/>
+            </a:lvl5pPr>
+            <a:lvl6pPr lvl="5" algn="l">
+              <a:spcBef>
+                <a:spcPts val="0"/>
+              </a:spcBef>
+              <a:spcAft>
+                <a:spcPts val="0"/>
+              </a:spcAft>
+              <a:buSzPts val="1400"/>
+              <a:buNone/>
+              <a:defRPr/>
+            </a:lvl6pPr>
+            <a:lvl7pPr lvl="6" algn="l">
+              <a:spcBef>
+                <a:spcPts val="0"/>
+              </a:spcBef>
+              <a:spcAft>
+                <a:spcPts val="0"/>
+              </a:spcAft>
+              <a:buSzPts val="1400"/>
+              <a:buNone/>
+              <a:defRPr/>
+            </a:lvl7pPr>
+            <a:lvl8pPr lvl="7" algn="l">
+              <a:spcBef>
+                <a:spcPts val="0"/>
+              </a:spcBef>
+              <a:spcAft>
+                <a:spcPts val="0"/>
+              </a:spcAft>
+              <a:buSzPts val="1400"/>
+              <a:buNone/>
+              <a:defRPr/>
+            </a:lvl8pPr>
+            <a:lvl9pPr lvl="8" algn="l">
+              <a:spcBef>
+                <a:spcPts val="0"/>
+              </a:spcBef>
+              <a:spcAft>
+                <a:spcPts val="0"/>
+              </a:spcAft>
+              <a:buSzPts val="1400"/>
+              <a:buNone/>
+              <a:defRPr/>
+            </a:lvl9pPr>
+          </a:lstStyle>
+          <a:p>
+            <a:endParaRPr/>
+          </a:p>
+        </p:txBody>
+      </p:sp>
+      <p:sp>
+        <p:nvSpPr>
+          <p:cNvPr id="86" name="Google Shape;86;p11"/>
+          <p:cNvSpPr txBox="1">
+            <a:spLocks noGrp="1"/>
+          </p:cNvSpPr>
+          <p:nvPr>
+            <p:ph type="sldNum" idx="12"/>
+          </p:nvPr>
+        </p:nvSpPr>
+        <p:spPr>
+          <a:xfrm>
+            <a:off x="8610600" y="6356350"/>
+            <a:ext cx="2743200" cy="365125"/>
+          </a:xfrm>
+          <a:prstGeom prst="rect">
+            <a:avLst/>
+          </a:prstGeom>
+          <a:noFill/>
+          <a:ln>
+            <a:noFill/>
+          </a:ln>
+        </p:spPr>
+        <p:txBody>
+          <a:bodyPr spcFirstLastPara="1" wrap="square" lIns="91425" tIns="45700" rIns="91425" bIns="45700" anchor="ctr" anchorCtr="0">
+            <a:noAutofit/>
+          </a:bodyPr>
+          <a:lstStyle>
+            <a:lvl1pPr marL="0" lvl="0" indent="0" algn="r">
+              <a:spcBef>
+                <a:spcPts val="0"/>
+              </a:spcBef>
+              <a:buNone/>
+              <a:defRPr/>
+            </a:lvl1pPr>
+            <a:lvl2pPr marL="0" lvl="1" indent="0" algn="r">
+              <a:spcBef>
+                <a:spcPts val="0"/>
+              </a:spcBef>
+              <a:buNone/>
+              <a:defRPr/>
+            </a:lvl2pPr>
+            <a:lvl3pPr marL="0" lvl="2" indent="0" algn="r">
+              <a:spcBef>
+                <a:spcPts val="0"/>
+              </a:spcBef>
+              <a:buNone/>
+              <a:defRPr/>
+            </a:lvl3pPr>
+            <a:lvl4pPr marL="0" lvl="3" indent="0" algn="r">
+              <a:spcBef>
+                <a:spcPts val="0"/>
+              </a:spcBef>
+              <a:buNone/>
+              <a:defRPr/>
+            </a:lvl4pPr>
+            <a:lvl5pPr marL="0" lvl="4" indent="0" algn="r">
+              <a:spcBef>
+                <a:spcPts val="0"/>
+              </a:spcBef>
+              <a:buNone/>
+              <a:defRPr/>
+            </a:lvl5pPr>
+            <a:lvl6pPr marL="0" lvl="5" indent="0" algn="r">
+              <a:spcBef>
+                <a:spcPts val="0"/>
+              </a:spcBef>
+              <a:buNone/>
+              <a:defRPr/>
+            </a:lvl6pPr>
+            <a:lvl7pPr marL="0" lvl="6" indent="0" algn="r">
+              <a:spcBef>
+                <a:spcPts val="0"/>
+              </a:spcBef>
+              <a:buNone/>
+              <a:defRPr/>
+            </a:lvl7pPr>
+            <a:lvl8pPr marL="0" lvl="7" indent="0" algn="r">
+              <a:spcBef>
+                <a:spcPts val="0"/>
+              </a:spcBef>
+              <a:buNone/>
+              <a:defRPr/>
+            </a:lvl8pPr>
+            <a:lvl9pPr marL="0" lvl="8" indent="0" algn="r">
+              <a:spcBef>
+                <a:spcPts val="0"/>
+              </a:spcBef>
+              <a:buNone/>
+              <a:defRPr/>
+            </a:lvl9pPr>
+          </a:lstStyle>
+          <a:p>
+            <a:pPr marL="0" lvl="0" indent="0" algn="r" rtl="0">
+              <a:spcBef>
+                <a:spcPts val="0"/>
+              </a:spcBef>
+              <a:spcAft>
+                <a:spcPts val="0"/>
+              </a:spcAft>
+              <a:buNone/>
+            </a:pPr>
+            <a:fld id="{00000000-1234-1234-1234-123412341234}" type="slidenum">
+              <a:rPr lang="en-IN"/>
+              <a:t>‹#›</a:t>
+            </a:fld>
+            <a:endParaRPr/>
+          </a:p>
+        </p:txBody>
+      </p:sp>
+      <p:pic>
+        <p:nvPicPr>
+          <p:cNvPr id="87" name="Google Shape;87;p11"/>
           <p:cNvPicPr preferRelativeResize="0"/>
           <p:nvPr/>
         </p:nvPicPr>
@@ -12094,14 +11094,13 @@
     <p:sldLayoutId id="2147483648" r:id="rId1"/>
     <p:sldLayoutId id="2147483649" r:id="rId2"/>
     <p:sldLayoutId id="2147483650" r:id="rId3"/>
-    <p:sldLayoutId id="2147483651" r:id="rId4"/>
-    <p:sldLayoutId id="2147483652" r:id="rId5"/>
-    <p:sldLayoutId id="2147483653" r:id="rId6"/>
-    <p:sldLayoutId id="2147483654" r:id="rId7"/>
-    <p:sldLayoutId id="2147483655" r:id="rId8"/>
-    <p:sldLayoutId id="2147483656" r:id="rId9"/>
-    <p:sldLayoutId id="2147483657" r:id="rId10"/>
-    <p:sldLayoutId id="2147483658" r:id="rId11"/>
+    <p:sldLayoutId id="2147483652" r:id="rId4"/>
+    <p:sldLayoutId id="2147483653" r:id="rId5"/>
+    <p:sldLayoutId id="2147483654" r:id="rId6"/>
+    <p:sldLayoutId id="2147483655" r:id="rId7"/>
+    <p:sldLayoutId id="2147483656" r:id="rId8"/>
+    <p:sldLayoutId id="2147483657" r:id="rId9"/>
+    <p:sldLayoutId id="2147483658" r:id="rId10"/>
   </p:sldLayoutIdLst>
   <p:hf sldNum="0" hdr="0" ftr="0" dt="0"/>
   <p:txStyles>
@@ -12849,7 +11848,7 @@
         <p:spPr>
           <a:xfrm>
             <a:off x="2472904" y="3717986"/>
-            <a:ext cx="7246200" cy="461700"/>
+            <a:ext cx="7246200" cy="461624"/>
           </a:xfrm>
           <a:prstGeom prst="rect">
             <a:avLst/>
@@ -12884,7 +11883,7 @@
                 <a:cs typeface="Calibri"/>
                 <a:sym typeface="Calibri"/>
               </a:rPr>
-              <a:t>Exploratory Data Analysis on AMCAT Data</a:t>
+              <a:t>CODE REFACTORING AND DEBUGGING</a:t>
             </a:r>
             <a:endParaRPr sz="2000" dirty="0"/>
           </a:p>
@@ -12950,18 +11949,6 @@
               <a:buNone/>
             </a:pPr>
             <a:r>
-              <a:rPr lang="en-IN" sz="1800" b="1" dirty="0" err="1">
-                <a:solidFill>
-                  <a:schemeClr val="dk1"/>
-                </a:solidFill>
-                <a:latin typeface="Calibri"/>
-                <a:ea typeface="Calibri"/>
-                <a:cs typeface="Calibri"/>
-                <a:sym typeface="Calibri"/>
-              </a:rPr>
-              <a:t>Name:Aleena</a:t>
-            </a:r>
-            <a:r>
               <a:rPr lang="en-IN" sz="1800" b="1" dirty="0">
                 <a:solidFill>
                   <a:schemeClr val="dk1"/>
@@ -12971,7 +11958,7 @@
                 <a:cs typeface="Calibri"/>
                 <a:sym typeface="Calibri"/>
               </a:rPr>
-              <a:t> Joseph</a:t>
+              <a:t>Name : Aleena Joseph</a:t>
             </a:r>
             <a:endParaRPr sz="1800" b="1" dirty="0">
               <a:solidFill>
@@ -13238,7 +12225,7 @@
               <a:buNone/>
             </a:pPr>
             <a:r>
-              <a:rPr lang="en-IN" sz="3200" b="0" i="0" u="none" strike="noStrike" cap="none">
+              <a:rPr lang="en-IN" sz="3200" b="0" i="0" u="none" strike="noStrike" cap="none" dirty="0">
                 <a:solidFill>
                   <a:srgbClr val="FF0000"/>
                 </a:solidFill>
@@ -13249,7 +12236,7 @@
               </a:rPr>
               <a:t>About me</a:t>
             </a:r>
-            <a:endParaRPr sz="1800" b="0" i="0" u="none" strike="noStrike" cap="none">
+            <a:endParaRPr sz="1800" b="0" i="0" u="none" strike="noStrike" cap="none" dirty="0">
               <a:solidFill>
                 <a:srgbClr val="FF0000"/>
               </a:solidFill>
@@ -13360,150 +12347,10 @@
   <p:cSld>
     <p:spTree>
       <p:nvGrpSpPr>
-        <p:cNvPr id="1" name="Shape 109"/>
-        <p:cNvGrpSpPr/>
-        <p:nvPr/>
-      </p:nvGrpSpPr>
-      <p:grpSpPr>
-        <a:xfrm>
-          <a:off x="0" y="0"/>
-          <a:ext cx="0" cy="0"/>
-          <a:chOff x="0" y="0"/>
-          <a:chExt cx="0" cy="0"/>
-        </a:xfrm>
-      </p:grpSpPr>
-      <p:sp>
-        <p:nvSpPr>
-          <p:cNvPr id="110" name="Google Shape;110;p15"/>
-          <p:cNvSpPr txBox="1">
-            <a:spLocks noGrp="1"/>
-          </p:cNvSpPr>
-          <p:nvPr>
-            <p:ph type="title"/>
-          </p:nvPr>
-        </p:nvSpPr>
-        <p:spPr>
-          <a:xfrm>
-            <a:off x="208472" y="18255"/>
-            <a:ext cx="10515600" cy="1325563"/>
-          </a:xfrm>
-          <a:prstGeom prst="rect">
-            <a:avLst/>
-          </a:prstGeom>
-          <a:noFill/>
-          <a:ln>
-            <a:noFill/>
-          </a:ln>
-        </p:spPr>
-        <p:txBody>
-          <a:bodyPr spcFirstLastPara="1" wrap="square" lIns="91425" tIns="45700" rIns="91425" bIns="45700" anchor="ctr" anchorCtr="0">
-            <a:normAutofit/>
-          </a:bodyPr>
-          <a:lstStyle/>
-          <a:p>
-            <a:pPr marL="0" lvl="0" indent="0" algn="l" rtl="0">
-              <a:lnSpc>
-                <a:spcPct val="90000"/>
-              </a:lnSpc>
-              <a:spcBef>
-                <a:spcPts val="0"/>
-              </a:spcBef>
-              <a:spcAft>
-                <a:spcPts val="0"/>
-              </a:spcAft>
-              <a:buClr>
-                <a:srgbClr val="FF0000"/>
-              </a:buClr>
-              <a:buSzPts val="4400"/>
-              <a:buFont typeface="Calibri"/>
-              <a:buNone/>
-            </a:pPr>
-            <a:r>
-              <a:rPr lang="en-IN" b="1" dirty="0">
-                <a:solidFill>
-                  <a:srgbClr val="FF0000"/>
-                </a:solidFill>
-              </a:rPr>
-              <a:t>OBJECTIVE </a:t>
-            </a:r>
-            <a:endParaRPr b="1" dirty="0">
-              <a:solidFill>
-                <a:srgbClr val="FF0000"/>
-              </a:solidFill>
-            </a:endParaRPr>
-          </a:p>
-        </p:txBody>
-      </p:sp>
-      <p:sp>
-        <p:nvSpPr>
-          <p:cNvPr id="111" name="Google Shape;111;p15"/>
-          <p:cNvSpPr txBox="1">
-            <a:spLocks noGrp="1"/>
-          </p:cNvSpPr>
-          <p:nvPr>
-            <p:ph type="body" idx="1"/>
-          </p:nvPr>
-        </p:nvSpPr>
-        <p:spPr>
-          <a:xfrm>
-            <a:off x="684880" y="1919030"/>
-            <a:ext cx="10515600" cy="4351338"/>
-          </a:xfrm>
-          <a:prstGeom prst="rect">
-            <a:avLst/>
-          </a:prstGeom>
-          <a:noFill/>
-          <a:ln>
-            <a:noFill/>
-          </a:ln>
-        </p:spPr>
-        <p:txBody>
-          <a:bodyPr spcFirstLastPara="1" wrap="square" lIns="91425" tIns="45700" rIns="91425" bIns="45700" anchor="t" anchorCtr="0">
-            <a:normAutofit/>
-          </a:bodyPr>
-          <a:lstStyle/>
-          <a:p>
-            <a:pPr marL="228600" lvl="0" indent="-130810" algn="l" rtl="0">
-              <a:lnSpc>
-                <a:spcPct val="90000"/>
-              </a:lnSpc>
-              <a:spcBef>
-                <a:spcPts val="1000"/>
-              </a:spcBef>
-              <a:spcAft>
-                <a:spcPts val="0"/>
-              </a:spcAft>
-              <a:buClr>
-                <a:schemeClr val="dk1"/>
-              </a:buClr>
-              <a:buSzPct val="100000"/>
-              <a:buNone/>
-            </a:pPr>
-            <a:r>
-              <a:rPr lang="en-IN" dirty="0"/>
-              <a:t>Objective of the project is to perform exploratory data analysis on the given dataset to extract insights and patterns from the data, particularly focusing on ‘salary’ as the target variable.</a:t>
-            </a:r>
-            <a:endParaRPr dirty="0"/>
-          </a:p>
-        </p:txBody>
-      </p:sp>
-    </p:spTree>
-  </p:cSld>
-  <p:clrMapOvr>
-    <a:masterClrMapping/>
-  </p:clrMapOvr>
-</p:sld>
-</file>
-
-<file path=ppt/slides/slide4.xml><?xml version="1.0" encoding="utf-8"?>
-<p:sld xmlns:a="http://schemas.openxmlformats.org/drawingml/2006/main" xmlns:r="http://schemas.openxmlformats.org/officeDocument/2006/relationships" xmlns:p="http://schemas.openxmlformats.org/presentationml/2006/main">
-  <p:cSld>
-    <p:spTree>
-      <p:nvGrpSpPr>
-        <p:cNvPr id="1" name="Shape 109">
+        <p:cNvPr id="1" name="Shape 103">
           <a:extLst>
             <a:ext uri="{FF2B5EF4-FFF2-40B4-BE49-F238E27FC236}">
-              <a16:creationId xmlns:a16="http://schemas.microsoft.com/office/drawing/2014/main" id="{2867F2B1-7FC6-2F42-DE8C-C2FDDC0E6A5C}"/>
+              <a16:creationId xmlns:a16="http://schemas.microsoft.com/office/drawing/2014/main" id="{7A26306F-8F48-0CB3-64CB-4D607F33E949}"/>
             </a:ext>
           </a:extLst>
         </p:cNvPr>
@@ -13520,92 +12367,20 @@
       </p:grpSpPr>
       <p:sp>
         <p:nvSpPr>
-          <p:cNvPr id="110" name="Google Shape;110;p15">
+          <p:cNvPr id="104" name="Google Shape;104;p14">
             <a:extLst>
               <a:ext uri="{FF2B5EF4-FFF2-40B4-BE49-F238E27FC236}">
-                <a16:creationId xmlns:a16="http://schemas.microsoft.com/office/drawing/2014/main" id="{91526683-26C2-22BE-EE91-C78F5D6110E6}"/>
+                <a16:creationId xmlns:a16="http://schemas.microsoft.com/office/drawing/2014/main" id="{BF3271BE-91D9-98E0-9E2A-10FF853F016C}"/>
               </a:ext>
             </a:extLst>
           </p:cNvPr>
-          <p:cNvSpPr txBox="1">
-            <a:spLocks noGrp="1"/>
-          </p:cNvSpPr>
-          <p:nvPr>
-            <p:ph type="title"/>
-          </p:nvPr>
+          <p:cNvSpPr txBox="1"/>
+          <p:nvPr/>
         </p:nvSpPr>
         <p:spPr>
           <a:xfrm>
-            <a:off x="208472" y="18255"/>
-            <a:ext cx="10515600" cy="1325563"/>
-          </a:xfrm>
-          <a:prstGeom prst="rect">
-            <a:avLst/>
-          </a:prstGeom>
-          <a:noFill/>
-          <a:ln>
-            <a:noFill/>
-          </a:ln>
-        </p:spPr>
-        <p:txBody>
-          <a:bodyPr spcFirstLastPara="1" wrap="square" lIns="91425" tIns="45700" rIns="91425" bIns="45700" anchor="ctr" anchorCtr="0">
-            <a:normAutofit/>
-          </a:bodyPr>
-          <a:lstStyle/>
-          <a:p>
-            <a:pPr marL="0" lvl="0" indent="0" algn="l" rtl="0">
-              <a:lnSpc>
-                <a:spcPct val="90000"/>
-              </a:lnSpc>
-              <a:spcBef>
-                <a:spcPts val="0"/>
-              </a:spcBef>
-              <a:spcAft>
-                <a:spcPts val="0"/>
-              </a:spcAft>
-              <a:buClr>
-                <a:srgbClr val="FF0000"/>
-              </a:buClr>
-              <a:buSzPts val="4400"/>
-              <a:buFont typeface="Calibri"/>
-              <a:buNone/>
-            </a:pPr>
-            <a:r>
-              <a:rPr lang="en-IN" b="1" dirty="0">
-                <a:solidFill>
-                  <a:srgbClr val="FF0000"/>
-                </a:solidFill>
-              </a:rPr>
-              <a:t>Summary of the data</a:t>
-            </a:r>
-            <a:endParaRPr b="1" dirty="0">
-              <a:solidFill>
-                <a:srgbClr val="FF0000"/>
-              </a:solidFill>
-            </a:endParaRPr>
-          </a:p>
-        </p:txBody>
-      </p:sp>
-      <p:sp>
-        <p:nvSpPr>
-          <p:cNvPr id="111" name="Google Shape;111;p15">
-            <a:extLst>
-              <a:ext uri="{FF2B5EF4-FFF2-40B4-BE49-F238E27FC236}">
-                <a16:creationId xmlns:a16="http://schemas.microsoft.com/office/drawing/2014/main" id="{572C58F9-0B09-7235-459E-C75D44125DB2}"/>
-              </a:ext>
-            </a:extLst>
-          </p:cNvPr>
-          <p:cNvSpPr txBox="1">
-            <a:spLocks noGrp="1"/>
-          </p:cNvSpPr>
-          <p:nvPr>
-            <p:ph type="body" idx="1"/>
-          </p:nvPr>
-        </p:nvSpPr>
-        <p:spPr>
-          <a:xfrm>
-            <a:off x="684880" y="1919030"/>
-            <a:ext cx="10515600" cy="4351338"/>
+            <a:off x="737812" y="1299172"/>
+            <a:ext cx="7007400" cy="2308284"/>
           </a:xfrm>
           <a:prstGeom prst="rect">
             <a:avLst/>
@@ -13617,164 +12392,140 @@
         </p:spPr>
         <p:txBody>
           <a:bodyPr spcFirstLastPara="1" wrap="square" lIns="91425" tIns="45700" rIns="91425" bIns="45700" anchor="t" anchorCtr="0">
-            <a:normAutofit/>
+            <a:spAutoFit/>
           </a:bodyPr>
           <a:lstStyle/>
           <a:p>
-            <a:pPr marL="228600" lvl="0" indent="-130810" algn="l" rtl="0">
-              <a:lnSpc>
-                <a:spcPct val="90000"/>
-              </a:lnSpc>
-              <a:spcBef>
-                <a:spcPts val="1000"/>
-              </a:spcBef>
-              <a:spcAft>
-                <a:spcPts val="0"/>
-              </a:spcAft>
-              <a:buClr>
-                <a:schemeClr val="dk1"/>
-              </a:buClr>
-              <a:buSzPct val="100000"/>
-              <a:buNone/>
-            </a:pPr>
             <a:r>
-              <a:rPr lang="en-US" b="0" i="0" u="none" strike="noStrike" dirty="0">
+              <a:rPr lang="en-IN" sz="1800" b="1" dirty="0">
                 <a:solidFill>
-                  <a:srgbClr val="000000"/>
+                  <a:schemeClr val="dk1"/>
+                </a:solidFill>
+                <a:latin typeface="Calibri"/>
+                <a:ea typeface="Calibri"/>
+                <a:cs typeface="Calibri"/>
+                <a:sym typeface="Calibri"/>
+              </a:rPr>
+              <a:t> </a:t>
+            </a:r>
+            <a:r>
+              <a:rPr lang="en-IN" sz="2400" dirty="0">
+                <a:solidFill>
+                  <a:srgbClr val="808080"/>
+                </a:solidFill>
+                <a:latin typeface="Consolas" panose="020B0609020204030204" pitchFamily="49" charset="0"/>
+                <a:ea typeface="Calibri"/>
+                <a:cs typeface="Calibri"/>
+                <a:sym typeface="Calibri"/>
+              </a:rPr>
+              <a:t>1.Added the “GET” AND “POST” methods to the default router.(backend)</a:t>
+            </a:r>
+          </a:p>
+          <a:p>
+            <a:r>
+              <a:rPr lang="en-IN" sz="2400" b="0" dirty="0">
+                <a:solidFill>
+                  <a:srgbClr val="808080"/>
                 </a:solidFill>
                 <a:effectLst/>
-                <a:latin typeface="Arial" panose="020B0604020202020204" pitchFamily="34" charset="0"/>
+                <a:latin typeface="Consolas" panose="020B0609020204030204" pitchFamily="49" charset="0"/>
+                <a:ea typeface="Calibri"/>
+                <a:cs typeface="Calibri"/>
+                <a:sym typeface="Calibri"/>
               </a:rPr>
-              <a:t>The dataset contains the employment outcomes of engineering graduates as dependent variables (Salary, Job Titles, and Job Locations) along with the standardized scores from three different areas – cognitive skills, technical skills and personality skills. The dataset also contains demographic features. The dataset  contains  around  40 independent variables and 4000 data points. The independent variables are both continuous and categorical in nature.</a:t>
+              <a:t>2.Change method to </a:t>
             </a:r>
-            <a:endParaRPr dirty="0"/>
+            <a:r>
+              <a:rPr lang="en-IN" sz="2400" b="0" dirty="0" err="1">
+                <a:solidFill>
+                  <a:srgbClr val="808080"/>
+                </a:solidFill>
+                <a:effectLst/>
+                <a:latin typeface="Consolas" panose="020B0609020204030204" pitchFamily="49" charset="0"/>
+                <a:ea typeface="Calibri"/>
+                <a:cs typeface="Calibri"/>
+                <a:sym typeface="Calibri"/>
+              </a:rPr>
+              <a:t>request.form.get</a:t>
+            </a:r>
+            <a:r>
+              <a:rPr lang="en-IN" sz="2400" b="0" dirty="0">
+                <a:solidFill>
+                  <a:srgbClr val="808080"/>
+                </a:solidFill>
+                <a:effectLst/>
+                <a:latin typeface="Consolas" panose="020B0609020204030204" pitchFamily="49" charset="0"/>
+                <a:ea typeface="Calibri"/>
+                <a:cs typeface="Calibri"/>
+                <a:sym typeface="Calibri"/>
+              </a:rPr>
+              <a:t>() to capture data as </a:t>
+            </a:r>
+            <a:r>
+              <a:rPr lang="en-IN" sz="2400" dirty="0">
+                <a:solidFill>
+                  <a:srgbClr val="808080"/>
+                </a:solidFill>
+                <a:latin typeface="Consolas" panose="020B0609020204030204" pitchFamily="49" charset="0"/>
+                <a:ea typeface="Calibri"/>
+                <a:cs typeface="Calibri"/>
+                <a:sym typeface="Calibri"/>
+              </a:rPr>
+              <a:t>POST request.(backend)</a:t>
+            </a:r>
           </a:p>
-        </p:txBody>
-      </p:sp>
-    </p:spTree>
-    <p:extLst>
-      <p:ext uri="{BB962C8B-B14F-4D97-AF65-F5344CB8AC3E}">
-        <p14:creationId xmlns:p14="http://schemas.microsoft.com/office/powerpoint/2010/main" val="4007642955"/>
-      </p:ext>
-    </p:extLst>
-  </p:cSld>
-  <p:clrMapOvr>
-    <a:masterClrMapping/>
-  </p:clrMapOvr>
-</p:sld>
-</file>
-
-<file path=ppt/slides/slide5.xml><?xml version="1.0" encoding="utf-8"?>
-<p:sld xmlns:a="http://schemas.openxmlformats.org/drawingml/2006/main" xmlns:r="http://schemas.openxmlformats.org/officeDocument/2006/relationships" xmlns:p="http://schemas.openxmlformats.org/presentationml/2006/main">
-  <p:cSld>
-    <p:spTree>
-      <p:nvGrpSpPr>
-        <p:cNvPr id="1" name="Shape 109">
-          <a:extLst>
-            <a:ext uri="{FF2B5EF4-FFF2-40B4-BE49-F238E27FC236}">
-              <a16:creationId xmlns:a16="http://schemas.microsoft.com/office/drawing/2014/main" id="{E25B34C4-E82E-5C50-1A11-E07FFACF69F8}"/>
-            </a:ext>
-          </a:extLst>
-        </p:cNvPr>
-        <p:cNvGrpSpPr/>
-        <p:nvPr/>
-      </p:nvGrpSpPr>
-      <p:grpSpPr>
-        <a:xfrm>
-          <a:off x="0" y="0"/>
-          <a:ext cx="0" cy="0"/>
-          <a:chOff x="0" y="0"/>
-          <a:chExt cx="0" cy="0"/>
-        </a:xfrm>
-      </p:grpSpPr>
-      <p:sp>
-        <p:nvSpPr>
-          <p:cNvPr id="110" name="Google Shape;110;p15">
-            <a:extLst>
-              <a:ext uri="{FF2B5EF4-FFF2-40B4-BE49-F238E27FC236}">
-                <a16:creationId xmlns:a16="http://schemas.microsoft.com/office/drawing/2014/main" id="{F10630B2-7B7C-273A-64E2-398AD5F94EFA}"/>
-              </a:ext>
-            </a:extLst>
-          </p:cNvPr>
-          <p:cNvSpPr txBox="1">
-            <a:spLocks noGrp="1"/>
-          </p:cNvSpPr>
-          <p:nvPr>
-            <p:ph type="title"/>
-          </p:nvPr>
-        </p:nvSpPr>
-        <p:spPr>
-          <a:xfrm>
-            <a:off x="208472" y="18255"/>
-            <a:ext cx="10515600" cy="1325563"/>
-          </a:xfrm>
-          <a:prstGeom prst="rect">
-            <a:avLst/>
-          </a:prstGeom>
-          <a:noFill/>
-          <a:ln>
-            <a:noFill/>
-          </a:ln>
-        </p:spPr>
-        <p:txBody>
-          <a:bodyPr spcFirstLastPara="1" wrap="square" lIns="91425" tIns="45700" rIns="91425" bIns="45700" anchor="ctr" anchorCtr="0">
-            <a:normAutofit/>
-          </a:bodyPr>
-          <a:lstStyle/>
           <a:p>
-            <a:pPr marL="0" lvl="0" indent="0" algn="l" rtl="0">
-              <a:lnSpc>
-                <a:spcPct val="90000"/>
-              </a:lnSpc>
-              <a:spcBef>
-                <a:spcPts val="0"/>
-              </a:spcBef>
-              <a:spcAft>
-                <a:spcPts val="0"/>
-              </a:spcAft>
-              <a:buClr>
-                <a:srgbClr val="FF0000"/>
-              </a:buClr>
-              <a:buSzPts val="4400"/>
-              <a:buFont typeface="Calibri"/>
-              <a:buNone/>
-            </a:pPr>
             <a:r>
-              <a:rPr lang="en-IN" b="1" dirty="0">
+              <a:rPr lang="en-IN" sz="2400" b="0" dirty="0">
                 <a:solidFill>
-                  <a:srgbClr val="FF0000"/>
+                  <a:srgbClr val="808080"/>
                 </a:solidFill>
+                <a:effectLst/>
+                <a:latin typeface="Consolas" panose="020B0609020204030204" pitchFamily="49" charset="0"/>
+                <a:ea typeface="Calibri"/>
+                <a:cs typeface="Calibri"/>
+                <a:sym typeface="Calibri"/>
               </a:rPr>
-              <a:t>Exploratory Data Analysis</a:t>
+              <a:t>3.To </a:t>
             </a:r>
-            <a:endParaRPr b="1" dirty="0">
+            <a:r>
+              <a:rPr lang="en-IN" sz="2400" dirty="0">
+                <a:solidFill>
+                  <a:srgbClr val="808080"/>
+                </a:solidFill>
+                <a:latin typeface="Consolas" panose="020B0609020204030204" pitchFamily="49" charset="0"/>
+                <a:ea typeface="Calibri"/>
+                <a:cs typeface="Calibri"/>
+                <a:sym typeface="Calibri"/>
+              </a:rPr>
+              <a:t>secure details define method as POST (frontend)</a:t>
+            </a:r>
+            <a:endParaRPr lang="en-IN" sz="2400" b="0" dirty="0">
               <a:solidFill>
-                <a:srgbClr val="FF0000"/>
+                <a:srgbClr val="CCCCCC"/>
               </a:solidFill>
+              <a:effectLst/>
+              <a:latin typeface="Consolas" panose="020B0609020204030204" pitchFamily="49" charset="0"/>
             </a:endParaRPr>
           </a:p>
         </p:txBody>
       </p:sp>
       <p:sp>
         <p:nvSpPr>
-          <p:cNvPr id="111" name="Google Shape;111;p15">
+          <p:cNvPr id="105" name="Google Shape;105;p14">
             <a:extLst>
               <a:ext uri="{FF2B5EF4-FFF2-40B4-BE49-F238E27FC236}">
-                <a16:creationId xmlns:a16="http://schemas.microsoft.com/office/drawing/2014/main" id="{B2A8ABB7-291A-AC08-933B-254B37C46B8C}"/>
+                <a16:creationId xmlns:a16="http://schemas.microsoft.com/office/drawing/2014/main" id="{B41F0982-6FAE-34B3-A7CA-97062EF8C61A}"/>
               </a:ext>
             </a:extLst>
           </p:cNvPr>
-          <p:cNvSpPr txBox="1">
-            <a:spLocks noGrp="1"/>
-          </p:cNvSpPr>
-          <p:nvPr>
-            <p:ph type="body" idx="1"/>
-          </p:nvPr>
+          <p:cNvSpPr txBox="1"/>
+          <p:nvPr/>
         </p:nvSpPr>
         <p:spPr>
           <a:xfrm>
-            <a:off x="684880" y="1919030"/>
-            <a:ext cx="10515600" cy="4351338"/>
+            <a:off x="427656" y="416554"/>
+            <a:ext cx="6099463" cy="486247"/>
           </a:xfrm>
           <a:prstGeom prst="rect">
             <a:avLst/>
@@ -13786,132 +12537,151 @@
         </p:spPr>
         <p:txBody>
           <a:bodyPr spcFirstLastPara="1" wrap="square" lIns="91425" tIns="45700" rIns="91425" bIns="45700" anchor="t" anchorCtr="0">
-            <a:normAutofit/>
+            <a:spAutoFit/>
           </a:bodyPr>
           <a:lstStyle/>
           <a:p>
-            <a:pPr marL="228600" lvl="0" indent="-130810" algn="l" rtl="0">
-              <a:lnSpc>
-                <a:spcPct val="90000"/>
-              </a:lnSpc>
-              <a:spcBef>
-                <a:spcPts val="1000"/>
-              </a:spcBef>
-              <a:spcAft>
-                <a:spcPts val="0"/>
-              </a:spcAft>
-              <a:buClr>
-                <a:schemeClr val="dk1"/>
-              </a:buClr>
-              <a:buSzPct val="100000"/>
+            <a:pPr marL="0" marR="0" lvl="0" indent="0" algn="l" rtl="0">
+              <a:lnSpc>
+                <a:spcPct val="80000"/>
+              </a:lnSpc>
+              <a:spcBef>
+                <a:spcPts val="0"/>
+              </a:spcBef>
+              <a:spcAft>
+                <a:spcPts val="0"/>
+              </a:spcAft>
+              <a:buClr>
+                <a:srgbClr val="FF0000"/>
+              </a:buClr>
+              <a:buSzPts val="3200"/>
+              <a:buFont typeface="Lato Black"/>
               <a:buNone/>
             </a:pPr>
             <a:r>
-              <a:rPr lang="en-IN" dirty="0"/>
-              <a:t>Data cleaning</a:t>
+              <a:rPr lang="en-IN" sz="3200" dirty="0">
+                <a:solidFill>
+                  <a:srgbClr val="FF0000"/>
+                </a:solidFill>
+                <a:latin typeface="Lato Black"/>
+                <a:ea typeface="Lato Black"/>
+                <a:cs typeface="Lato Black"/>
+                <a:sym typeface="Lato Black"/>
+              </a:rPr>
+              <a:t>DEBUGGING STEPS</a:t>
             </a:r>
-          </a:p>
-          <a:p>
-            <a:pPr marL="228600" lvl="0" indent="-130810" algn="l" rtl="0">
-              <a:lnSpc>
-                <a:spcPct val="90000"/>
-              </a:lnSpc>
-              <a:spcBef>
-                <a:spcPts val="1000"/>
-              </a:spcBef>
-              <a:spcAft>
-                <a:spcPts val="0"/>
-              </a:spcAft>
-              <a:buClr>
-                <a:schemeClr val="dk1"/>
-              </a:buClr>
-              <a:buSzPct val="100000"/>
-              <a:buNone/>
-            </a:pPr>
-            <a:r>
-              <a:rPr lang="en-IN" dirty="0"/>
-              <a:t>Data manipulation</a:t>
-            </a:r>
-          </a:p>
-          <a:p>
-            <a:pPr marL="228600" lvl="0" indent="-130810" algn="l" rtl="0">
-              <a:lnSpc>
-                <a:spcPct val="90000"/>
-              </a:lnSpc>
-              <a:spcBef>
-                <a:spcPts val="1000"/>
-              </a:spcBef>
-              <a:spcAft>
-                <a:spcPts val="0"/>
-              </a:spcAft>
-              <a:buClr>
-                <a:schemeClr val="dk1"/>
-              </a:buClr>
-              <a:buSzPct val="100000"/>
-              <a:buNone/>
-            </a:pPr>
-            <a:r>
-              <a:rPr lang="en-IN" dirty="0"/>
-              <a:t>Univariate Analysis</a:t>
-            </a:r>
-          </a:p>
-          <a:p>
-            <a:pPr marL="228600" lvl="0" indent="-130810" algn="l" rtl="0">
-              <a:lnSpc>
-                <a:spcPct val="90000"/>
-              </a:lnSpc>
-              <a:spcBef>
-                <a:spcPts val="1000"/>
-              </a:spcBef>
-              <a:spcAft>
-                <a:spcPts val="0"/>
-              </a:spcAft>
-              <a:buClr>
-                <a:schemeClr val="dk1"/>
-              </a:buClr>
-              <a:buSzPct val="100000"/>
-              <a:buNone/>
-            </a:pPr>
-            <a:r>
-              <a:rPr lang="en-IN" dirty="0"/>
-              <a:t>Bivariate Analysis</a:t>
-            </a:r>
-          </a:p>
-          <a:p>
-            <a:pPr marL="228600" lvl="0" indent="-130810" algn="l" rtl="0">
-              <a:lnSpc>
-                <a:spcPct val="90000"/>
-              </a:lnSpc>
-              <a:spcBef>
-                <a:spcPts val="1000"/>
-              </a:spcBef>
-              <a:spcAft>
-                <a:spcPts val="0"/>
-              </a:spcAft>
-              <a:buClr>
-                <a:schemeClr val="dk1"/>
-              </a:buClr>
-              <a:buSzPct val="100000"/>
-              <a:buNone/>
-            </a:pPr>
-            <a:endParaRPr dirty="0"/>
+            <a:endParaRPr sz="1800" b="0" i="0" u="none" strike="noStrike" cap="none" dirty="0">
+              <a:solidFill>
+                <a:srgbClr val="FF0000"/>
+              </a:solidFill>
+              <a:latin typeface="Calibri"/>
+              <a:ea typeface="Calibri"/>
+              <a:cs typeface="Calibri"/>
+              <a:sym typeface="Calibri"/>
+            </a:endParaRPr>
           </a:p>
         </p:txBody>
       </p:sp>
     </p:spTree>
     <p:extLst>
       <p:ext uri="{BB962C8B-B14F-4D97-AF65-F5344CB8AC3E}">
-        <p14:creationId xmlns:p14="http://schemas.microsoft.com/office/powerpoint/2010/main" val="2272942915"/>
+        <p14:creationId xmlns:p14="http://schemas.microsoft.com/office/powerpoint/2010/main" val="3244308214"/>
       </p:ext>
     </p:extLst>
   </p:cSld>
   <p:clrMapOvr>
     <a:masterClrMapping/>
   </p:clrMapOvr>
+  <p:timing>
+    <p:tnLst>
+      <p:par>
+        <p:cTn id="1" dur="indefinite" restart="never" nodeType="tmRoot">
+          <p:childTnLst>
+            <p:seq concurrent="1" nextAc="seek">
+              <p:cTn id="2" dur="indefinite" nodeType="mainSeq">
+                <p:childTnLst>
+                  <p:par>
+                    <p:cTn id="3" fill="hold">
+                      <p:stCondLst>
+                        <p:cond delay="indefinite"/>
+                        <p:cond evt="onBegin" delay="0">
+                          <p:tn val="2"/>
+                        </p:cond>
+                      </p:stCondLst>
+                      <p:childTnLst>
+                        <p:par>
+                          <p:cTn id="4" fill="hold">
+                            <p:stCondLst>
+                              <p:cond delay="0"/>
+                            </p:stCondLst>
+                            <p:childTnLst>
+                              <p:par>
+                                <p:cTn id="5" presetID="10" presetClass="entr" presetSubtype="0" fill="hold" nodeType="withEffect">
+                                  <p:stCondLst>
+                                    <p:cond delay="0"/>
+                                  </p:stCondLst>
+                                  <p:childTnLst>
+                                    <p:set>
+                                      <p:cBhvr>
+                                        <p:cTn id="6" dur="1" fill="hold">
+                                          <p:stCondLst>
+                                            <p:cond delay="0"/>
+                                          </p:stCondLst>
+                                        </p:cTn>
+                                        <p:tgtEl>
+                                          <p:spTgt spid="105"/>
+                                        </p:tgtEl>
+                                        <p:attrNameLst>
+                                          <p:attrName>style.visibility</p:attrName>
+                                        </p:attrNameLst>
+                                      </p:cBhvr>
+                                      <p:to>
+                                        <p:strVal val="visible"/>
+                                      </p:to>
+                                    </p:set>
+                                    <p:animEffect transition="in" filter="fade">
+                                      <p:cBhvr>
+                                        <p:cTn id="7" dur="500"/>
+                                        <p:tgtEl>
+                                          <p:spTgt spid="105"/>
+                                        </p:tgtEl>
+                                      </p:cBhvr>
+                                    </p:animEffect>
+                                  </p:childTnLst>
+                                </p:cTn>
+                              </p:par>
+                            </p:childTnLst>
+                          </p:cTn>
+                        </p:par>
+                      </p:childTnLst>
+                    </p:cTn>
+                  </p:par>
+                </p:childTnLst>
+              </p:cTn>
+              <p:prevCondLst>
+                <p:cond evt="onPrev" delay="0">
+                  <p:tgtEl>
+                    <p:sldTgt/>
+                  </p:tgtEl>
+                </p:cond>
+              </p:prevCondLst>
+              <p:nextCondLst>
+                <p:cond evt="onNext" delay="0">
+                  <p:tgtEl>
+                    <p:sldTgt/>
+                  </p:tgtEl>
+                </p:cond>
+              </p:nextCondLst>
+            </p:seq>
+          </p:childTnLst>
+        </p:cTn>
+      </p:par>
+    </p:tnLst>
+  </p:timing>
 </p:sld>
 </file>
 
-<file path=ppt/slides/slide6.xml><?xml version="1.0" encoding="utf-8"?>
+<file path=ppt/slides/slide4.xml><?xml version="1.0" encoding="utf-8"?>
 <p:sld xmlns:a="http://schemas.openxmlformats.org/drawingml/2006/main" xmlns:r="http://schemas.openxmlformats.org/officeDocument/2006/relationships" xmlns:p="http://schemas.openxmlformats.org/presentationml/2006/main">
   <p:cSld>
     <p:spTree>
@@ -13930,10 +12700,10 @@
       </p:grpSpPr>
       <p:pic>
         <p:nvPicPr>
-          <p:cNvPr id="5" name="Picture 4" descr="A group of graphs showing different sizes of data&#10;&#10;Description automatically generated with medium confidence">
+          <p:cNvPr id="3" name="Picture 2" descr="A screenshot of a computer&#10;&#10;Description automatically generated">
             <a:extLst>
               <a:ext uri="{FF2B5EF4-FFF2-40B4-BE49-F238E27FC236}">
-                <a16:creationId xmlns:a16="http://schemas.microsoft.com/office/drawing/2014/main" id="{13FEA782-1229-1A8A-C2D7-18B84392C7B7}"/>
+                <a16:creationId xmlns:a16="http://schemas.microsoft.com/office/drawing/2014/main" id="{FEEC2309-EFD2-3BF1-754B-0DE0D58DBA0A}"/>
               </a:ext>
             </a:extLst>
           </p:cNvPr>
@@ -13943,53 +12713,63 @@
           <p:nvPr/>
         </p:nvPicPr>
         <p:blipFill rotWithShape="1">
-          <a:blip r:embed="rId2"/>
-          <a:srcRect b="50000"/>
+          <a:blip r:embed="rId3"/>
+          <a:srcRect l="565" t="11040" r="3629" b="8101"/>
           <a:stretch/>
         </p:blipFill>
         <p:spPr>
           <a:xfrm>
-            <a:off x="433568" y="304800"/>
-            <a:ext cx="3145373" cy="5602200"/>
+            <a:off x="235974" y="1002891"/>
+            <a:ext cx="10569678" cy="5017928"/>
           </a:xfrm>
           <a:prstGeom prst="rect">
             <a:avLst/>
           </a:prstGeom>
         </p:spPr>
       </p:pic>
-      <p:pic>
-        <p:nvPicPr>
-          <p:cNvPr id="7" name="Picture 6" descr="A group of graphs showing different sizes of data&#10;&#10;Description automatically generated with medium confidence">
+      <p:sp>
+        <p:nvSpPr>
+          <p:cNvPr id="5" name="TextBox 4">
             <a:extLst>
               <a:ext uri="{FF2B5EF4-FFF2-40B4-BE49-F238E27FC236}">
-                <a16:creationId xmlns:a16="http://schemas.microsoft.com/office/drawing/2014/main" id="{10DA5B9A-4AA7-E904-2C71-827A0E6A2B76}"/>
+                <a16:creationId xmlns:a16="http://schemas.microsoft.com/office/drawing/2014/main" id="{266BD116-F89B-1C84-56AF-B86A1CD20C0A}"/>
               </a:ext>
             </a:extLst>
           </p:cNvPr>
-          <p:cNvPicPr>
-            <a:picLocks noChangeAspect="1"/>
-          </p:cNvPicPr>
+          <p:cNvSpPr txBox="1"/>
           <p:nvPr/>
-        </p:nvPicPr>
-        <p:blipFill rotWithShape="1">
-          <a:blip r:embed="rId2"/>
-          <a:srcRect t="50000" r="-10263"/>
-          <a:stretch/>
-        </p:blipFill>
+        </p:nvSpPr>
         <p:spPr>
           <a:xfrm>
-            <a:off x="4690935" y="413323"/>
-            <a:ext cx="3401013" cy="5493677"/>
+            <a:off x="324465" y="167149"/>
+            <a:ext cx="6410632" cy="646331"/>
           </a:xfrm>
           <a:prstGeom prst="rect">
             <a:avLst/>
           </a:prstGeom>
+          <a:noFill/>
         </p:spPr>
-      </p:pic>
+        <p:txBody>
+          <a:bodyPr wrap="square" rtlCol="0">
+            <a:spAutoFit/>
+          </a:bodyPr>
+          <a:lstStyle/>
+          <a:p>
+            <a:r>
+              <a:rPr lang="en-IN" sz="3600" dirty="0">
+                <a:solidFill>
+                  <a:srgbClr val="FF0000"/>
+                </a:solidFill>
+              </a:rPr>
+              <a:t>OUTPUT</a:t>
+            </a:r>
+          </a:p>
+        </p:txBody>
+      </p:sp>
     </p:spTree>
     <p:extLst>
       <p:ext uri="{BB962C8B-B14F-4D97-AF65-F5344CB8AC3E}">
-        <p14:creationId xmlns:p14="http://schemas.microsoft.com/office/powerpoint/2010/main" val="1358302878"/>
+        <p14:creationId xmlns:p14="http://schemas.microsoft.com/office/powerpoint/2010/main" val="1686045590"/>
       </p:ext>
     </p:extLst>
   </p:cSld>
@@ -13999,321 +12779,7 @@
 </p:sld>
 </file>
 
-<file path=ppt/slides/slide7.xml><?xml version="1.0" encoding="utf-8"?>
-<p:sld xmlns:a="http://schemas.openxmlformats.org/drawingml/2006/main" xmlns:r="http://schemas.openxmlformats.org/officeDocument/2006/relationships" xmlns:p="http://schemas.openxmlformats.org/presentationml/2006/main">
-  <p:cSld>
-    <p:spTree>
-      <p:nvGrpSpPr>
-        <p:cNvPr id="1" name=""/>
-        <p:cNvGrpSpPr/>
-        <p:nvPr/>
-      </p:nvGrpSpPr>
-      <p:grpSpPr>
-        <a:xfrm>
-          <a:off x="0" y="0"/>
-          <a:ext cx="0" cy="0"/>
-          <a:chOff x="0" y="0"/>
-          <a:chExt cx="0" cy="0"/>
-        </a:xfrm>
-      </p:grpSpPr>
-      <p:pic>
-        <p:nvPicPr>
-          <p:cNvPr id="3" name="Picture 2" descr="A graph of a salary&#10;&#10;Description automatically generated with medium confidence">
-            <a:extLst>
-              <a:ext uri="{FF2B5EF4-FFF2-40B4-BE49-F238E27FC236}">
-                <a16:creationId xmlns:a16="http://schemas.microsoft.com/office/drawing/2014/main" id="{F50820DC-42D9-D4A3-DBD5-F9484E3EBBD4}"/>
-              </a:ext>
-            </a:extLst>
-          </p:cNvPr>
-          <p:cNvPicPr>
-            <a:picLocks noChangeAspect="1"/>
-          </p:cNvPicPr>
-          <p:nvPr/>
-        </p:nvPicPr>
-        <p:blipFill>
-          <a:blip r:embed="rId2"/>
-          <a:stretch>
-            <a:fillRect/>
-          </a:stretch>
-        </p:blipFill>
-        <p:spPr>
-          <a:xfrm>
-            <a:off x="2799581" y="1280155"/>
-            <a:ext cx="6592837" cy="4297689"/>
-          </a:xfrm>
-          <a:prstGeom prst="rect">
-            <a:avLst/>
-          </a:prstGeom>
-        </p:spPr>
-      </p:pic>
-    </p:spTree>
-    <p:extLst>
-      <p:ext uri="{BB962C8B-B14F-4D97-AF65-F5344CB8AC3E}">
-        <p14:creationId xmlns:p14="http://schemas.microsoft.com/office/powerpoint/2010/main" val="892848529"/>
-      </p:ext>
-    </p:extLst>
-  </p:cSld>
-  <p:clrMapOvr>
-    <a:masterClrMapping/>
-  </p:clrMapOvr>
-</p:sld>
-</file>
-
-<file path=ppt/slides/slide8.xml><?xml version="1.0" encoding="utf-8"?>
-<p:sld xmlns:a="http://schemas.openxmlformats.org/drawingml/2006/main" xmlns:r="http://schemas.openxmlformats.org/officeDocument/2006/relationships" xmlns:p="http://schemas.openxmlformats.org/presentationml/2006/main">
-  <p:cSld>
-    <p:spTree>
-      <p:nvGrpSpPr>
-        <p:cNvPr id="1" name="Shape 109">
-          <a:extLst>
-            <a:ext uri="{FF2B5EF4-FFF2-40B4-BE49-F238E27FC236}">
-              <a16:creationId xmlns:a16="http://schemas.microsoft.com/office/drawing/2014/main" id="{ADD927A0-D7E1-9E12-F77E-2BDD0EF8DF8A}"/>
-            </a:ext>
-          </a:extLst>
-        </p:cNvPr>
-        <p:cNvGrpSpPr/>
-        <p:nvPr/>
-      </p:nvGrpSpPr>
-      <p:grpSpPr>
-        <a:xfrm>
-          <a:off x="0" y="0"/>
-          <a:ext cx="0" cy="0"/>
-          <a:chOff x="0" y="0"/>
-          <a:chExt cx="0" cy="0"/>
-        </a:xfrm>
-      </p:grpSpPr>
-      <p:sp>
-        <p:nvSpPr>
-          <p:cNvPr id="110" name="Google Shape;110;p15">
-            <a:extLst>
-              <a:ext uri="{FF2B5EF4-FFF2-40B4-BE49-F238E27FC236}">
-                <a16:creationId xmlns:a16="http://schemas.microsoft.com/office/drawing/2014/main" id="{3130308D-C730-86DB-BBD8-545367F00811}"/>
-              </a:ext>
-            </a:extLst>
-          </p:cNvPr>
-          <p:cNvSpPr txBox="1">
-            <a:spLocks noGrp="1"/>
-          </p:cNvSpPr>
-          <p:nvPr>
-            <p:ph type="title"/>
-          </p:nvPr>
-        </p:nvSpPr>
-        <p:spPr>
-          <a:xfrm>
-            <a:off x="395285" y="401713"/>
-            <a:ext cx="10515600" cy="1325563"/>
-          </a:xfrm>
-          <a:prstGeom prst="rect">
-            <a:avLst/>
-          </a:prstGeom>
-          <a:noFill/>
-          <a:ln>
-            <a:noFill/>
-          </a:ln>
-        </p:spPr>
-        <p:txBody>
-          <a:bodyPr spcFirstLastPara="1" wrap="square" lIns="91425" tIns="45700" rIns="91425" bIns="45700" anchor="ctr" anchorCtr="0">
-            <a:normAutofit/>
-          </a:bodyPr>
-          <a:lstStyle/>
-          <a:p>
-            <a:pPr marL="0" lvl="0" indent="0" algn="l" rtl="0">
-              <a:lnSpc>
-                <a:spcPct val="90000"/>
-              </a:lnSpc>
-              <a:spcBef>
-                <a:spcPts val="0"/>
-              </a:spcBef>
-              <a:spcAft>
-                <a:spcPts val="0"/>
-              </a:spcAft>
-              <a:buClr>
-                <a:srgbClr val="FF0000"/>
-              </a:buClr>
-              <a:buSzPts val="4400"/>
-              <a:buFont typeface="Calibri"/>
-              <a:buNone/>
-            </a:pPr>
-            <a:r>
-              <a:rPr lang="en-IN" b="1" dirty="0">
-                <a:solidFill>
-                  <a:srgbClr val="FF0000"/>
-                </a:solidFill>
-              </a:rPr>
-              <a:t>Conclusion</a:t>
-            </a:r>
-            <a:br>
-              <a:rPr lang="en-IN" b="1" dirty="0">
-                <a:solidFill>
-                  <a:srgbClr val="FF0000"/>
-                </a:solidFill>
-              </a:rPr>
-            </a:br>
-            <a:endParaRPr b="1" dirty="0">
-              <a:solidFill>
-                <a:srgbClr val="FF0000"/>
-              </a:solidFill>
-            </a:endParaRPr>
-          </a:p>
-        </p:txBody>
-      </p:sp>
-      <p:sp>
-        <p:nvSpPr>
-          <p:cNvPr id="111" name="Google Shape;111;p15">
-            <a:extLst>
-              <a:ext uri="{FF2B5EF4-FFF2-40B4-BE49-F238E27FC236}">
-                <a16:creationId xmlns:a16="http://schemas.microsoft.com/office/drawing/2014/main" id="{F46ED46E-4C76-A079-AE17-783DBDB816C1}"/>
-              </a:ext>
-            </a:extLst>
-          </p:cNvPr>
-          <p:cNvSpPr txBox="1">
-            <a:spLocks noGrp="1"/>
-          </p:cNvSpPr>
-          <p:nvPr>
-            <p:ph type="body" idx="1"/>
-          </p:nvPr>
-        </p:nvSpPr>
-        <p:spPr>
-          <a:xfrm>
-            <a:off x="684880" y="1919030"/>
-            <a:ext cx="10515600" cy="4351338"/>
-          </a:xfrm>
-          <a:prstGeom prst="rect">
-            <a:avLst/>
-          </a:prstGeom>
-          <a:noFill/>
-          <a:ln>
-            <a:noFill/>
-          </a:ln>
-        </p:spPr>
-        <p:txBody>
-          <a:bodyPr spcFirstLastPara="1" wrap="square" lIns="91425" tIns="45700" rIns="91425" bIns="45700" anchor="t" anchorCtr="0">
-            <a:normAutofit lnSpcReduction="10000"/>
-          </a:bodyPr>
-          <a:lstStyle/>
-          <a:p>
-            <a:pPr marL="612140" lvl="0" indent="-514350" algn="l" rtl="0">
-              <a:lnSpc>
-                <a:spcPct val="90000"/>
-              </a:lnSpc>
-              <a:spcBef>
-                <a:spcPts val="1000"/>
-              </a:spcBef>
-              <a:spcAft>
-                <a:spcPts val="0"/>
-              </a:spcAft>
-              <a:buClr>
-                <a:schemeClr val="dk1"/>
-              </a:buClr>
-              <a:buSzPct val="100000"/>
-              <a:buFont typeface="+mj-lt"/>
-              <a:buAutoNum type="arabicPeriod"/>
-            </a:pPr>
-            <a:r>
-              <a:rPr lang="en-US" b="0" i="0" dirty="0">
-                <a:solidFill>
-                  <a:srgbClr val="0D0D0D"/>
-                </a:solidFill>
-                <a:effectLst/>
-                <a:latin typeface="Söhne"/>
-              </a:rPr>
-              <a:t>Both the time an employee has been with the company and their salaries tend to have more people with less experience and lower pay, indicating possible problems with employee retention and uneven salary distribution.</a:t>
-            </a:r>
-          </a:p>
-          <a:p>
-            <a:pPr marL="612140" lvl="0" indent="-514350" algn="l" rtl="0">
-              <a:lnSpc>
-                <a:spcPct val="90000"/>
-              </a:lnSpc>
-              <a:spcBef>
-                <a:spcPts val="1000"/>
-              </a:spcBef>
-              <a:spcAft>
-                <a:spcPts val="0"/>
-              </a:spcAft>
-              <a:buClr>
-                <a:schemeClr val="dk1"/>
-              </a:buClr>
-              <a:buSzPct val="100000"/>
-              <a:buFont typeface="+mj-lt"/>
-              <a:buAutoNum type="arabicPeriod"/>
-            </a:pPr>
-            <a:r>
-              <a:rPr lang="en-US" b="0" i="0" dirty="0">
-                <a:solidFill>
-                  <a:srgbClr val="0D0D0D"/>
-                </a:solidFill>
-                <a:effectLst/>
-                <a:latin typeface="Söhne"/>
-              </a:rPr>
-              <a:t>No connection was found between salary and educational performance (in 10th grade, 12th grade, and GPA). This implies that how well someone does academically does not strongly affect their salary.</a:t>
-            </a:r>
-          </a:p>
-          <a:p>
-            <a:pPr marL="612140" lvl="0" indent="-514350" algn="l" rtl="0">
-              <a:lnSpc>
-                <a:spcPct val="90000"/>
-              </a:lnSpc>
-              <a:spcBef>
-                <a:spcPts val="1000"/>
-              </a:spcBef>
-              <a:spcAft>
-                <a:spcPts val="0"/>
-              </a:spcAft>
-              <a:buClr>
-                <a:schemeClr val="dk1"/>
-              </a:buClr>
-              <a:buSzPct val="100000"/>
-              <a:buFont typeface="+mj-lt"/>
-              <a:buAutoNum type="arabicPeriod"/>
-            </a:pPr>
-            <a:r>
-              <a:rPr lang="en-US" b="0" i="0" dirty="0">
-                <a:solidFill>
-                  <a:srgbClr val="0D0D0D"/>
-                </a:solidFill>
-                <a:effectLst/>
-                <a:latin typeface="Söhne"/>
-              </a:rPr>
-              <a:t>When it comes to gender, the average salaries for both men and women are about the same. This means there is no unfair difference in how salaries are distributed between genders.</a:t>
-            </a:r>
-            <a:endParaRPr lang="en-IN" dirty="0"/>
-          </a:p>
-          <a:p>
-            <a:pPr marL="228600" lvl="0" indent="-130810" algn="l" rtl="0">
-              <a:lnSpc>
-                <a:spcPct val="90000"/>
-              </a:lnSpc>
-              <a:spcBef>
-                <a:spcPts val="1000"/>
-              </a:spcBef>
-              <a:spcAft>
-                <a:spcPts val="0"/>
-              </a:spcAft>
-              <a:buClr>
-                <a:schemeClr val="dk1"/>
-              </a:buClr>
-              <a:buSzPct val="100000"/>
-              <a:buNone/>
-            </a:pPr>
-            <a:endParaRPr dirty="0"/>
-          </a:p>
-        </p:txBody>
-      </p:sp>
-    </p:spTree>
-    <p:extLst>
-      <p:ext uri="{BB962C8B-B14F-4D97-AF65-F5344CB8AC3E}">
-        <p14:creationId xmlns:p14="http://schemas.microsoft.com/office/powerpoint/2010/main" val="2760514470"/>
-      </p:ext>
-    </p:extLst>
-  </p:cSld>
-  <p:clrMapOvr>
-    <a:masterClrMapping/>
-  </p:clrMapOvr>
-</p:sld>
-</file>
-
-<file path=ppt/slides/slide9.xml><?xml version="1.0" encoding="utf-8"?>
+<file path=ppt/slides/slide5.xml><?xml version="1.0" encoding="utf-8"?>
 <p:sld xmlns:a="http://schemas.openxmlformats.org/drawingml/2006/main" xmlns:r="http://schemas.openxmlformats.org/officeDocument/2006/relationships" xmlns:p="http://schemas.openxmlformats.org/presentationml/2006/main">
   <p:cSld>
     <p:spTree>
